--- a/Rekisterit ja laskurit.pptx
+++ b/Rekisterit ja laskurit.pptx
@@ -109,6 +109,11 @@
       </a:defRPr>
     </a:lvl9pPr>
   </p:defaultTextStyle>
+  <p:extLst>
+    <p:ext uri="{EFAFB233-063F-42B5-8137-9DF3F51BA10A}">
+      <p15:sldGuideLst xmlns:p15="http://schemas.microsoft.com/office/powerpoint/2012/main"/>
+    </p:ext>
+  </p:extLst>
 </p:presentation>
 </file>
 
@@ -243,7 +248,7 @@
           <a:p>
             <a:fld id="{668560E7-6B47-4993-813A-EE42FC0D83A5}" type="datetimeFigureOut">
               <a:rPr lang="fi-FI" smtClean="0"/>
-              <a:t>7.11.2013</a:t>
+              <a:t>13.11.2013</a:t>
             </a:fld>
             <a:endParaRPr lang="fi-FI"/>
           </a:p>
@@ -413,7 +418,7 @@
           <a:p>
             <a:fld id="{668560E7-6B47-4993-813A-EE42FC0D83A5}" type="datetimeFigureOut">
               <a:rPr lang="fi-FI" smtClean="0"/>
-              <a:t>7.11.2013</a:t>
+              <a:t>13.11.2013</a:t>
             </a:fld>
             <a:endParaRPr lang="fi-FI"/>
           </a:p>
@@ -593,7 +598,7 @@
           <a:p>
             <a:fld id="{668560E7-6B47-4993-813A-EE42FC0D83A5}" type="datetimeFigureOut">
               <a:rPr lang="fi-FI" smtClean="0"/>
-              <a:t>7.11.2013</a:t>
+              <a:t>13.11.2013</a:t>
             </a:fld>
             <a:endParaRPr lang="fi-FI"/>
           </a:p>
@@ -763,7 +768,7 @@
           <a:p>
             <a:fld id="{668560E7-6B47-4993-813A-EE42FC0D83A5}" type="datetimeFigureOut">
               <a:rPr lang="fi-FI" smtClean="0"/>
-              <a:t>7.11.2013</a:t>
+              <a:t>13.11.2013</a:t>
             </a:fld>
             <a:endParaRPr lang="fi-FI"/>
           </a:p>
@@ -1009,7 +1014,7 @@
           <a:p>
             <a:fld id="{668560E7-6B47-4993-813A-EE42FC0D83A5}" type="datetimeFigureOut">
               <a:rPr lang="fi-FI" smtClean="0"/>
-              <a:t>7.11.2013</a:t>
+              <a:t>13.11.2013</a:t>
             </a:fld>
             <a:endParaRPr lang="fi-FI"/>
           </a:p>
@@ -1241,7 +1246,7 @@
           <a:p>
             <a:fld id="{668560E7-6B47-4993-813A-EE42FC0D83A5}" type="datetimeFigureOut">
               <a:rPr lang="fi-FI" smtClean="0"/>
-              <a:t>7.11.2013</a:t>
+              <a:t>13.11.2013</a:t>
             </a:fld>
             <a:endParaRPr lang="fi-FI"/>
           </a:p>
@@ -1608,7 +1613,7 @@
           <a:p>
             <a:fld id="{668560E7-6B47-4993-813A-EE42FC0D83A5}" type="datetimeFigureOut">
               <a:rPr lang="fi-FI" smtClean="0"/>
-              <a:t>7.11.2013</a:t>
+              <a:t>13.11.2013</a:t>
             </a:fld>
             <a:endParaRPr lang="fi-FI"/>
           </a:p>
@@ -1726,7 +1731,7 @@
           <a:p>
             <a:fld id="{668560E7-6B47-4993-813A-EE42FC0D83A5}" type="datetimeFigureOut">
               <a:rPr lang="fi-FI" smtClean="0"/>
-              <a:t>7.11.2013</a:t>
+              <a:t>13.11.2013</a:t>
             </a:fld>
             <a:endParaRPr lang="fi-FI"/>
           </a:p>
@@ -1821,7 +1826,7 @@
           <a:p>
             <a:fld id="{668560E7-6B47-4993-813A-EE42FC0D83A5}" type="datetimeFigureOut">
               <a:rPr lang="fi-FI" smtClean="0"/>
-              <a:t>7.11.2013</a:t>
+              <a:t>13.11.2013</a:t>
             </a:fld>
             <a:endParaRPr lang="fi-FI"/>
           </a:p>
@@ -2098,7 +2103,7 @@
           <a:p>
             <a:fld id="{668560E7-6B47-4993-813A-EE42FC0D83A5}" type="datetimeFigureOut">
               <a:rPr lang="fi-FI" smtClean="0"/>
-              <a:t>7.11.2013</a:t>
+              <a:t>13.11.2013</a:t>
             </a:fld>
             <a:endParaRPr lang="fi-FI"/>
           </a:p>
@@ -2351,7 +2356,7 @@
           <a:p>
             <a:fld id="{668560E7-6B47-4993-813A-EE42FC0D83A5}" type="datetimeFigureOut">
               <a:rPr lang="fi-FI" smtClean="0"/>
-              <a:t>7.11.2013</a:t>
+              <a:t>13.11.2013</a:t>
             </a:fld>
             <a:endParaRPr lang="fi-FI"/>
           </a:p>
@@ -2564,7 +2569,7 @@
           <a:p>
             <a:fld id="{668560E7-6B47-4993-813A-EE42FC0D83A5}" type="datetimeFigureOut">
               <a:rPr lang="fi-FI" smtClean="0"/>
-              <a:t>7.11.2013</a:t>
+              <a:t>13.11.2013</a:t>
             </a:fld>
             <a:endParaRPr lang="fi-FI"/>
           </a:p>
@@ -3236,6 +3241,10 @@
           <a:bodyPr/>
           <a:lstStyle/>
           <a:p>
+            <a:r>
+              <a:rPr lang="fi-FI" dirty="0" smtClean="0"/>
+              <a:t>Laskurit</a:t>
+            </a:r>
             <a:endParaRPr lang="fi-FI" dirty="0"/>
           </a:p>
         </p:txBody>
@@ -3255,7 +3264,31 @@
           <a:bodyPr/>
           <a:lstStyle/>
           <a:p>
-            <a:endParaRPr lang="fi-FI"/>
+            <a:r>
+              <a:rPr lang="fi-FI" dirty="0" smtClean="0"/>
+              <a:t>Laskuri on tilakone, </a:t>
+            </a:r>
+            <a:r>
+              <a:rPr lang="fi-FI" dirty="0"/>
+              <a:t>j</a:t>
+            </a:r>
+            <a:r>
+              <a:rPr lang="fi-FI" dirty="0" smtClean="0"/>
+              <a:t>onka jokainen tila toistuu määrävälein.</a:t>
+            </a:r>
+          </a:p>
+          <a:p>
+            <a:r>
+              <a:rPr lang="fi-FI" dirty="0" smtClean="0"/>
+              <a:t>Kytkemällä T-kiikkuja peräkkäin muodostuu laskuri, joka laskee binäärilukuja kellopulssin tahdissa.</a:t>
+            </a:r>
+          </a:p>
+          <a:p>
+            <a:r>
+              <a:rPr lang="fi-FI" dirty="0" smtClean="0"/>
+              <a:t>Laskurit voidaan jakaa asynkronisiin ja synkronisiin laskureihin.</a:t>
+            </a:r>
+            <a:endParaRPr lang="fi-FI" dirty="0"/>
           </a:p>
         </p:txBody>
       </p:sp>
@@ -3304,6 +3337,10 @@
           <a:bodyPr/>
           <a:lstStyle/>
           <a:p>
+            <a:r>
+              <a:rPr lang="fi-FI" dirty="0" smtClean="0"/>
+              <a:t>Asynkroniset laskurit</a:t>
+            </a:r>
             <a:endParaRPr lang="fi-FI" dirty="0"/>
           </a:p>
         </p:txBody>
@@ -3323,7 +3360,17 @@
           <a:bodyPr/>
           <a:lstStyle/>
           <a:p>
-            <a:endParaRPr lang="fi-FI"/>
+            <a:r>
+              <a:rPr lang="fi-FI" dirty="0" smtClean="0"/>
+              <a:t>Seuraava kiikku saa kellopulssinsa (CLK) edellisen kiikun ulostulosta.</a:t>
+            </a:r>
+          </a:p>
+          <a:p>
+            <a:r>
+              <a:rPr lang="fi-FI" dirty="0" smtClean="0"/>
+              <a:t>Siispä antojen välillä viive –eroja.</a:t>
+            </a:r>
+            <a:endParaRPr lang="fi-FI" dirty="0"/>
           </a:p>
         </p:txBody>
       </p:sp>
@@ -3372,6 +3419,10 @@
           <a:bodyPr/>
           <a:lstStyle/>
           <a:p>
+            <a:r>
+              <a:rPr lang="fi-FI" dirty="0" smtClean="0"/>
+              <a:t>Synkroniset laskurit</a:t>
+            </a:r>
             <a:endParaRPr lang="fi-FI" dirty="0"/>
           </a:p>
         </p:txBody>
@@ -3391,7 +3442,41 @@
           <a:bodyPr/>
           <a:lstStyle/>
           <a:p>
-            <a:endParaRPr lang="fi-FI"/>
+            <a:r>
+              <a:rPr lang="fi-FI" dirty="0" smtClean="0"/>
+              <a:t>Yksi ja sama kellopulssi tulee kaikkien kiikkujen kello-ottoihin (CLK).</a:t>
+            </a:r>
+          </a:p>
+          <a:p>
+            <a:r>
+              <a:rPr lang="fi-FI" dirty="0" smtClean="0"/>
+              <a:t>Toteutus JK- tai D-Kiikuilla.</a:t>
+            </a:r>
+          </a:p>
+          <a:p>
+            <a:r>
+              <a:rPr lang="fi-FI" dirty="0" smtClean="0"/>
+              <a:t>Käytännön laskureilla yleensä myös nollausotto (RESET).</a:t>
+            </a:r>
+          </a:p>
+          <a:p>
+            <a:r>
+              <a:rPr lang="fi-FI" dirty="0" smtClean="0"/>
+              <a:t>Laskurin ketjutusta varten laskurin sallintaotot (</a:t>
+            </a:r>
+            <a:r>
+              <a:rPr lang="fi-FI" dirty="0" err="1" smtClean="0"/>
+              <a:t>Enable</a:t>
+            </a:r>
+            <a:r>
+              <a:rPr lang="fi-FI" dirty="0" smtClean="0"/>
+              <a:t>) </a:t>
+            </a:r>
+            <a:r>
+              <a:rPr lang="fi-FI" smtClean="0"/>
+              <a:t>ja ”laskuri täynnä” -otto</a:t>
+            </a:r>
+            <a:endParaRPr lang="fi-FI" dirty="0"/>
           </a:p>
         </p:txBody>
       </p:sp>

--- a/Rekisterit ja laskurit.pptx
+++ b/Rekisterit ja laskurit.pptx
@@ -2,7 +2,7 @@
 <file path=ppt/presentation.xml><?xml version="1.0" encoding="utf-8"?>
 <p:presentation xmlns:a="http://schemas.openxmlformats.org/drawingml/2006/main" xmlns:r="http://schemas.openxmlformats.org/officeDocument/2006/relationships" xmlns:p="http://schemas.openxmlformats.org/presentationml/2006/main" saveSubsetFonts="1">
   <p:sldMasterIdLst>
-    <p:sldMasterId id="2147483648" r:id="rId1"/>
+    <p:sldMasterId id="2147483660" r:id="rId1"/>
   </p:sldMasterIdLst>
   <p:sldIdLst>
     <p:sldId id="256" r:id="rId2"/>
@@ -11,6 +11,8 @@
     <p:sldId id="259" r:id="rId5"/>
     <p:sldId id="260" r:id="rId6"/>
     <p:sldId id="261" r:id="rId7"/>
+    <p:sldId id="262" r:id="rId8"/>
+    <p:sldId id="263" r:id="rId9"/>
   </p:sldIdLst>
   <p:sldSz cx="12192000" cy="6858000"/>
   <p:notesSz cx="6858000" cy="9144000"/>
@@ -118,8 +120,18 @@
 </file>
 
 <file path=ppt/slideLayouts/slideLayout1.xml><?xml version="1.0" encoding="utf-8"?>
-<p:sldLayout xmlns:a="http://schemas.openxmlformats.org/drawingml/2006/main" xmlns:r="http://schemas.openxmlformats.org/officeDocument/2006/relationships" xmlns:p="http://schemas.openxmlformats.org/presentationml/2006/main" type="title" preserve="1">
+<p:sldLayout xmlns:a="http://schemas.openxmlformats.org/drawingml/2006/main" xmlns:r="http://schemas.openxmlformats.org/officeDocument/2006/relationships" xmlns:p="http://schemas.openxmlformats.org/presentationml/2006/main" showMasterSp="0" type="title" preserve="1">
   <p:cSld name="Title Slide">
+    <p:bg>
+      <p:bgPr>
+        <a:solidFill>
+          <a:schemeClr val="bg2">
+            <a:lumMod val="75000"/>
+          </a:schemeClr>
+        </a:solidFill>
+        <a:effectLst/>
+      </p:bgPr>
+    </p:bg>
     <p:spTree>
       <p:nvGrpSpPr>
         <p:cNvPr id="1" name=""/>
@@ -146,15 +158,24 @@
         </p:nvSpPr>
         <p:spPr>
           <a:xfrm>
-            <a:off x="1524000" y="1122363"/>
-            <a:ext cx="9144000" cy="2387600"/>
+            <a:off x="1261872" y="758952"/>
+            <a:ext cx="9418320" cy="4041648"/>
           </a:xfrm>
         </p:spPr>
         <p:txBody>
-          <a:bodyPr anchor="b"/>
+          <a:bodyPr anchor="b">
+            <a:normAutofit/>
+          </a:bodyPr>
           <a:lstStyle>
-            <a:lvl1pPr algn="ctr">
-              <a:defRPr sz="6000"/>
+            <a:lvl1pPr algn="l">
+              <a:lnSpc>
+                <a:spcPct val="85000"/>
+              </a:lnSpc>
+              <a:defRPr sz="7200" baseline="0">
+                <a:solidFill>
+                  <a:schemeClr val="tx1"/>
+                </a:solidFill>
+              </a:defRPr>
             </a:lvl1pPr>
           </a:lstStyle>
           <a:p>
@@ -162,7 +183,7 @@
               <a:rPr lang="en-US" smtClean="0"/>
               <a:t>Click to edit Master title style</a:t>
             </a:r>
-            <a:endParaRPr lang="fi-FI"/>
+            <a:endParaRPr lang="en-US" dirty="0"/>
           </a:p>
         </p:txBody>
       </p:sp>
@@ -178,48 +199,56 @@
         </p:nvSpPr>
         <p:spPr>
           <a:xfrm>
-            <a:off x="1524000" y="3602038"/>
-            <a:ext cx="9144000" cy="1655762"/>
+            <a:off x="1261872" y="4800600"/>
+            <a:ext cx="9418320" cy="1691640"/>
           </a:xfrm>
         </p:spPr>
         <p:txBody>
-          <a:bodyPr/>
+          <a:bodyPr>
+            <a:normAutofit/>
+          </a:bodyPr>
           <a:lstStyle>
-            <a:lvl1pPr marL="0" indent="0" algn="ctr">
-              <a:buNone/>
-              <a:defRPr sz="2400"/>
+            <a:lvl1pPr marL="0" indent="0" algn="l">
+              <a:buNone/>
+              <a:defRPr sz="2200" baseline="0">
+                <a:solidFill>
+                  <a:schemeClr val="tx1">
+                    <a:lumMod val="75000"/>
+                  </a:schemeClr>
+                </a:solidFill>
+              </a:defRPr>
             </a:lvl1pPr>
             <a:lvl2pPr marL="457200" indent="0" algn="ctr">
               <a:buNone/>
-              <a:defRPr sz="2000"/>
+              <a:defRPr sz="2200"/>
             </a:lvl2pPr>
             <a:lvl3pPr marL="914400" indent="0" algn="ctr">
               <a:buNone/>
-              <a:defRPr sz="1800"/>
+              <a:defRPr sz="2200"/>
             </a:lvl3pPr>
             <a:lvl4pPr marL="1371600" indent="0" algn="ctr">
               <a:buNone/>
-              <a:defRPr sz="1600"/>
+              <a:defRPr sz="2000"/>
             </a:lvl4pPr>
             <a:lvl5pPr marL="1828800" indent="0" algn="ctr">
               <a:buNone/>
-              <a:defRPr sz="1600"/>
+              <a:defRPr sz="2000"/>
             </a:lvl5pPr>
             <a:lvl6pPr marL="2286000" indent="0" algn="ctr">
               <a:buNone/>
-              <a:defRPr sz="1600"/>
+              <a:defRPr sz="2000"/>
             </a:lvl6pPr>
             <a:lvl7pPr marL="2743200" indent="0" algn="ctr">
               <a:buNone/>
-              <a:defRPr sz="1600"/>
+              <a:defRPr sz="2000"/>
             </a:lvl7pPr>
             <a:lvl8pPr marL="3200400" indent="0" algn="ctr">
               <a:buNone/>
-              <a:defRPr sz="1600"/>
+              <a:defRPr sz="2000"/>
             </a:lvl8pPr>
             <a:lvl9pPr marL="3657600" indent="0" algn="ctr">
               <a:buNone/>
-              <a:defRPr sz="1600"/>
+              <a:defRPr sz="2000"/>
             </a:lvl9pPr>
           </a:lstStyle>
           <a:p>
@@ -227,7 +256,7 @@
               <a:rPr lang="en-US" smtClean="0"/>
               <a:t>Click to edit Master subtitle style</a:t>
             </a:r>
-            <a:endParaRPr lang="fi-FI"/>
+            <a:endParaRPr lang="en-US" dirty="0"/>
           </a:p>
         </p:txBody>
       </p:sp>
@@ -244,7 +273,17 @@
         <p:spPr/>
         <p:txBody>
           <a:bodyPr/>
-          <a:lstStyle/>
+          <a:lstStyle>
+            <a:lvl1pPr>
+              <a:defRPr>
+                <a:solidFill>
+                  <a:schemeClr val="tx1">
+                    <a:lumMod val="50000"/>
+                  </a:schemeClr>
+                </a:solidFill>
+              </a:defRPr>
+            </a:lvl1pPr>
+          </a:lstStyle>
           <a:p>
             <a:fld id="{668560E7-6B47-4993-813A-EE42FC0D83A5}" type="datetimeFigureOut">
               <a:rPr lang="fi-FI" smtClean="0"/>
@@ -267,7 +306,17 @@
         <p:spPr/>
         <p:txBody>
           <a:bodyPr/>
-          <a:lstStyle/>
+          <a:lstStyle>
+            <a:lvl1pPr>
+              <a:defRPr>
+                <a:solidFill>
+                  <a:schemeClr val="tx1">
+                    <a:lumMod val="65000"/>
+                  </a:schemeClr>
+                </a:solidFill>
+              </a:defRPr>
+            </a:lvl1pPr>
+          </a:lstStyle>
           <a:p>
             <a:endParaRPr lang="fi-FI"/>
           </a:p>
@@ -286,7 +335,17 @@
         <p:spPr/>
         <p:txBody>
           <a:bodyPr/>
-          <a:lstStyle/>
+          <a:lstStyle>
+            <a:lvl1pPr>
+              <a:defRPr>
+                <a:solidFill>
+                  <a:schemeClr val="tx1">
+                    <a:lumMod val="65000"/>
+                  </a:schemeClr>
+                </a:solidFill>
+              </a:defRPr>
+            </a:lvl1pPr>
+          </a:lstStyle>
           <a:p>
             <a:fld id="{F1F90E65-4BDE-432F-8959-39A5048E3195}" type="slidenum">
               <a:rPr lang="fi-FI" smtClean="0"/>
@@ -296,15 +355,53 @@
           </a:p>
         </p:txBody>
       </p:sp>
+      <p:sp>
+        <p:nvSpPr>
+          <p:cNvPr id="7" name="Rectangle 6"/>
+          <p:cNvSpPr/>
+          <p:nvPr/>
+        </p:nvSpPr>
+        <p:spPr>
+          <a:xfrm>
+            <a:off x="0" y="0"/>
+            <a:ext cx="457200" cy="6858000"/>
+          </a:xfrm>
+          <a:prstGeom prst="rect">
+            <a:avLst/>
+          </a:prstGeom>
+          <a:solidFill>
+            <a:schemeClr val="accent1"/>
+          </a:solidFill>
+          <a:ln>
+            <a:noFill/>
+          </a:ln>
+        </p:spPr>
+        <p:style>
+          <a:lnRef idx="2">
+            <a:schemeClr val="accent1">
+              <a:shade val="50000"/>
+            </a:schemeClr>
+          </a:lnRef>
+          <a:fillRef idx="1">
+            <a:schemeClr val="accent1"/>
+          </a:fillRef>
+          <a:effectRef idx="0">
+            <a:schemeClr val="accent1"/>
+          </a:effectRef>
+          <a:fontRef idx="minor">
+            <a:schemeClr val="lt1"/>
+          </a:fontRef>
+        </p:style>
+      </p:sp>
     </p:spTree>
     <p:extLst>
       <p:ext uri="{BB962C8B-B14F-4D97-AF65-F5344CB8AC3E}">
-        <p14:creationId xmlns:p14="http://schemas.microsoft.com/office/powerpoint/2010/main" val="2921708304"/>
+        <p14:creationId xmlns:p14="http://schemas.microsoft.com/office/powerpoint/2010/main" val="2880319049"/>
       </p:ext>
     </p:extLst>
   </p:cSld>
   <p:clrMapOvr>
-    <a:masterClrMapping/>
+    <a:overrideClrMapping bg1="dk1" tx1="lt1" bg2="dk2" tx2="lt2" accent1="accent1" accent2="accent2" accent3="accent3" accent4="accent4" accent5="accent5" accent6="accent6" hlink="hlink" folHlink="folHlink"/>
   </p:clrMapOvr>
 </p:sldLayout>
 </file>
@@ -345,7 +442,7 @@
               <a:rPr lang="en-US" smtClean="0"/>
               <a:t>Click to edit Master title style</a:t>
             </a:r>
-            <a:endParaRPr lang="fi-FI"/>
+            <a:endParaRPr lang="en-US" dirty="0"/>
           </a:p>
         </p:txBody>
       </p:sp>
@@ -397,7 +494,7 @@
               <a:rPr lang="en-US" smtClean="0"/>
               <a:t>Fifth level</a:t>
             </a:r>
-            <a:endParaRPr lang="fi-FI"/>
+            <a:endParaRPr lang="en-US" dirty="0"/>
           </a:p>
         </p:txBody>
       </p:sp>
@@ -469,7 +566,7 @@
     </p:spTree>
     <p:extLst>
       <p:ext uri="{BB962C8B-B14F-4D97-AF65-F5344CB8AC3E}">
-        <p14:creationId xmlns:p14="http://schemas.microsoft.com/office/powerpoint/2010/main" val="3617081116"/>
+        <p14:creationId xmlns:p14="http://schemas.microsoft.com/office/powerpoint/2010/main" val="747525906"/>
       </p:ext>
     </p:extLst>
   </p:cSld>
@@ -508,8 +605,8 @@
         </p:nvSpPr>
         <p:spPr>
           <a:xfrm>
-            <a:off x="8724900" y="365125"/>
-            <a:ext cx="2628900" cy="5811838"/>
+            <a:off x="8648700" y="381000"/>
+            <a:ext cx="2476500" cy="5897562"/>
           </a:xfrm>
         </p:spPr>
         <p:txBody>
@@ -520,7 +617,7 @@
               <a:rPr lang="en-US" smtClean="0"/>
               <a:t>Click to edit Master title style</a:t>
             </a:r>
-            <a:endParaRPr lang="fi-FI"/>
+            <a:endParaRPr lang="en-US" dirty="0"/>
           </a:p>
         </p:txBody>
       </p:sp>
@@ -536,8 +633,8 @@
         </p:nvSpPr>
         <p:spPr>
           <a:xfrm>
-            <a:off x="838200" y="365125"/>
-            <a:ext cx="7734300" cy="5811838"/>
+            <a:off x="762000" y="381000"/>
+            <a:ext cx="7734300" cy="5897562"/>
           </a:xfrm>
         </p:spPr>
         <p:txBody>
@@ -577,7 +674,7 @@
               <a:rPr lang="en-US" smtClean="0"/>
               <a:t>Fifth level</a:t>
             </a:r>
-            <a:endParaRPr lang="fi-FI"/>
+            <a:endParaRPr lang="en-US" dirty="0"/>
           </a:p>
         </p:txBody>
       </p:sp>
@@ -649,7 +746,7 @@
     </p:spTree>
     <p:extLst>
       <p:ext uri="{BB962C8B-B14F-4D97-AF65-F5344CB8AC3E}">
-        <p14:creationId xmlns:p14="http://schemas.microsoft.com/office/powerpoint/2010/main" val="1580745618"/>
+        <p14:creationId xmlns:p14="http://schemas.microsoft.com/office/powerpoint/2010/main" val="2705370677"/>
       </p:ext>
     </p:extLst>
   </p:cSld>
@@ -695,7 +792,7 @@
               <a:rPr lang="en-US" smtClean="0"/>
               <a:t>Click to edit Master title style</a:t>
             </a:r>
-            <a:endParaRPr lang="fi-FI"/>
+            <a:endParaRPr lang="en-US" dirty="0"/>
           </a:p>
         </p:txBody>
       </p:sp>
@@ -747,7 +844,7 @@
               <a:rPr lang="en-US" smtClean="0"/>
               <a:t>Fifth level</a:t>
             </a:r>
-            <a:endParaRPr lang="fi-FI"/>
+            <a:endParaRPr lang="en-US" dirty="0"/>
           </a:p>
         </p:txBody>
       </p:sp>
@@ -819,7 +916,7 @@
     </p:spTree>
     <p:extLst>
       <p:ext uri="{BB962C8B-B14F-4D97-AF65-F5344CB8AC3E}">
-        <p14:creationId xmlns:p14="http://schemas.microsoft.com/office/powerpoint/2010/main" val="3086068886"/>
+        <p14:creationId xmlns:p14="http://schemas.microsoft.com/office/powerpoint/2010/main" val="1558140725"/>
       </p:ext>
     </p:extLst>
   </p:cSld>
@@ -858,15 +955,20 @@
         </p:nvSpPr>
         <p:spPr>
           <a:xfrm>
-            <a:off x="831850" y="1709738"/>
-            <a:ext cx="10515600" cy="2852737"/>
+            <a:off x="1261872" y="758952"/>
+            <a:ext cx="9418320" cy="4041648"/>
           </a:xfrm>
         </p:spPr>
         <p:txBody>
-          <a:bodyPr anchor="b"/>
+          <a:bodyPr anchor="b">
+            <a:normAutofit/>
+          </a:bodyPr>
           <a:lstStyle>
             <a:lvl1pPr>
-              <a:defRPr sz="6000"/>
+              <a:lnSpc>
+                <a:spcPct val="85000"/>
+              </a:lnSpc>
+              <a:defRPr sz="7200" b="0"/>
             </a:lvl1pPr>
           </a:lstStyle>
           <a:p>
@@ -874,7 +976,7 @@
               <a:rPr lang="en-US" smtClean="0"/>
               <a:t>Click to edit Master title style</a:t>
             </a:r>
-            <a:endParaRPr lang="fi-FI"/>
+            <a:endParaRPr lang="en-US" dirty="0"/>
           </a:p>
         </p:txBody>
       </p:sp>
@@ -890,26 +992,29 @@
         </p:nvSpPr>
         <p:spPr>
           <a:xfrm>
-            <a:off x="831850" y="4589463"/>
-            <a:ext cx="10515600" cy="1500187"/>
+            <a:off x="1261872" y="4800600"/>
+            <a:ext cx="9418320" cy="1691640"/>
           </a:xfrm>
         </p:spPr>
         <p:txBody>
-          <a:bodyPr/>
+          <a:bodyPr anchor="t">
+            <a:normAutofit/>
+          </a:bodyPr>
           <a:lstStyle>
             <a:lvl1pPr marL="0" indent="0">
               <a:buNone/>
-              <a:defRPr sz="2400">
+              <a:defRPr sz="2200">
                 <a:solidFill>
                   <a:schemeClr val="tx1">
-                    <a:tint val="75000"/>
+                    <a:lumMod val="65000"/>
+                    <a:lumOff val="35000"/>
                   </a:schemeClr>
                 </a:solidFill>
               </a:defRPr>
             </a:lvl1pPr>
             <a:lvl2pPr marL="457200" indent="0">
               <a:buNone/>
-              <a:defRPr sz="2000">
+              <a:defRPr sz="1800">
                 <a:solidFill>
                   <a:schemeClr val="tx1">
                     <a:tint val="75000"/>
@@ -919,7 +1024,7 @@
             </a:lvl2pPr>
             <a:lvl3pPr marL="914400" indent="0">
               <a:buNone/>
-              <a:defRPr sz="1800">
+              <a:defRPr sz="1600">
                 <a:solidFill>
                   <a:schemeClr val="tx1">
                     <a:tint val="75000"/>
@@ -929,7 +1034,7 @@
             </a:lvl3pPr>
             <a:lvl4pPr marL="1371600" indent="0">
               <a:buNone/>
-              <a:defRPr sz="1600">
+              <a:defRPr sz="1400">
                 <a:solidFill>
                   <a:schemeClr val="tx1">
                     <a:tint val="75000"/>
@@ -939,7 +1044,7 @@
             </a:lvl4pPr>
             <a:lvl5pPr marL="1828800" indent="0">
               <a:buNone/>
-              <a:defRPr sz="1600">
+              <a:defRPr sz="1400">
                 <a:solidFill>
                   <a:schemeClr val="tx1">
                     <a:tint val="75000"/>
@@ -949,7 +1054,7 @@
             </a:lvl5pPr>
             <a:lvl6pPr marL="2286000" indent="0">
               <a:buNone/>
-              <a:defRPr sz="1600">
+              <a:defRPr sz="1400">
                 <a:solidFill>
                   <a:schemeClr val="tx1">
                     <a:tint val="75000"/>
@@ -959,7 +1064,7 @@
             </a:lvl6pPr>
             <a:lvl7pPr marL="2743200" indent="0">
               <a:buNone/>
-              <a:defRPr sz="1600">
+              <a:defRPr sz="1400">
                 <a:solidFill>
                   <a:schemeClr val="tx1">
                     <a:tint val="75000"/>
@@ -969,7 +1074,7 @@
             </a:lvl7pPr>
             <a:lvl8pPr marL="3200400" indent="0">
               <a:buNone/>
-              <a:defRPr sz="1600">
+              <a:defRPr sz="1400">
                 <a:solidFill>
                   <a:schemeClr val="tx1">
                     <a:tint val="75000"/>
@@ -979,7 +1084,7 @@
             </a:lvl8pPr>
             <a:lvl9pPr marL="3657600" indent="0">
               <a:buNone/>
-              <a:defRPr sz="1600">
+              <a:defRPr sz="1400">
                 <a:solidFill>
                   <a:schemeClr val="tx1">
                     <a:tint val="75000"/>
@@ -1062,10 +1167,48 @@
           </a:p>
         </p:txBody>
       </p:sp>
+      <p:sp>
+        <p:nvSpPr>
+          <p:cNvPr id="7" name="Rectangle 6"/>
+          <p:cNvSpPr/>
+          <p:nvPr/>
+        </p:nvSpPr>
+        <p:spPr>
+          <a:xfrm>
+            <a:off x="0" y="0"/>
+            <a:ext cx="457200" cy="6858000"/>
+          </a:xfrm>
+          <a:prstGeom prst="rect">
+            <a:avLst/>
+          </a:prstGeom>
+          <a:solidFill>
+            <a:schemeClr val="accent1"/>
+          </a:solidFill>
+          <a:ln>
+            <a:noFill/>
+          </a:ln>
+        </p:spPr>
+        <p:style>
+          <a:lnRef idx="2">
+            <a:schemeClr val="accent1">
+              <a:shade val="50000"/>
+            </a:schemeClr>
+          </a:lnRef>
+          <a:fillRef idx="1">
+            <a:schemeClr val="accent1"/>
+          </a:fillRef>
+          <a:effectRef idx="0">
+            <a:schemeClr val="accent1"/>
+          </a:effectRef>
+          <a:fontRef idx="minor">
+            <a:schemeClr val="lt1"/>
+          </a:fontRef>
+        </p:style>
+      </p:sp>
     </p:spTree>
     <p:extLst>
       <p:ext uri="{BB962C8B-B14F-4D97-AF65-F5344CB8AC3E}">
-        <p14:creationId xmlns:p14="http://schemas.microsoft.com/office/powerpoint/2010/main" val="3077815488"/>
+        <p14:creationId xmlns:p14="http://schemas.microsoft.com/office/powerpoint/2010/main" val="1816518800"/>
       </p:ext>
     </p:extLst>
   </p:cSld>
@@ -1111,7 +1254,7 @@
               <a:rPr lang="en-US" smtClean="0"/>
               <a:t>Click to edit Master title style</a:t>
             </a:r>
-            <a:endParaRPr lang="fi-FI"/>
+            <a:endParaRPr lang="en-US" dirty="0"/>
           </a:p>
         </p:txBody>
       </p:sp>
@@ -1127,13 +1270,41 @@
         </p:nvSpPr>
         <p:spPr>
           <a:xfrm>
-            <a:off x="838200" y="1825625"/>
-            <a:ext cx="5181600" cy="4351338"/>
+            <a:off x="1261872" y="1828800"/>
+            <a:ext cx="4480560" cy="4351337"/>
           </a:xfrm>
         </p:spPr>
         <p:txBody>
           <a:bodyPr/>
-          <a:lstStyle/>
+          <a:lstStyle>
+            <a:lvl1pPr>
+              <a:defRPr sz="1800"/>
+            </a:lvl1pPr>
+            <a:lvl2pPr>
+              <a:defRPr sz="1600"/>
+            </a:lvl2pPr>
+            <a:lvl3pPr>
+              <a:defRPr sz="1400"/>
+            </a:lvl3pPr>
+            <a:lvl4pPr>
+              <a:defRPr sz="1400"/>
+            </a:lvl4pPr>
+            <a:lvl5pPr>
+              <a:defRPr sz="1400"/>
+            </a:lvl5pPr>
+            <a:lvl6pPr>
+              <a:defRPr sz="1400"/>
+            </a:lvl6pPr>
+            <a:lvl7pPr>
+              <a:defRPr sz="1400"/>
+            </a:lvl7pPr>
+            <a:lvl8pPr>
+              <a:defRPr sz="1400"/>
+            </a:lvl8pPr>
+            <a:lvl9pPr>
+              <a:defRPr sz="1400"/>
+            </a:lvl9pPr>
+          </a:lstStyle>
           <a:p>
             <a:pPr lvl="0"/>
             <a:r>
@@ -1168,7 +1339,7 @@
               <a:rPr lang="en-US" smtClean="0"/>
               <a:t>Fifth level</a:t>
             </a:r>
-            <a:endParaRPr lang="fi-FI"/>
+            <a:endParaRPr lang="en-US" dirty="0"/>
           </a:p>
         </p:txBody>
       </p:sp>
@@ -1184,13 +1355,41 @@
         </p:nvSpPr>
         <p:spPr>
           <a:xfrm>
-            <a:off x="6172200" y="1825625"/>
-            <a:ext cx="5181600" cy="4351338"/>
+            <a:off x="6126480" y="1828800"/>
+            <a:ext cx="4480560" cy="4351337"/>
           </a:xfrm>
         </p:spPr>
         <p:txBody>
           <a:bodyPr/>
-          <a:lstStyle/>
+          <a:lstStyle>
+            <a:lvl1pPr>
+              <a:defRPr sz="1800"/>
+            </a:lvl1pPr>
+            <a:lvl2pPr>
+              <a:defRPr sz="1600"/>
+            </a:lvl2pPr>
+            <a:lvl3pPr>
+              <a:defRPr sz="1400"/>
+            </a:lvl3pPr>
+            <a:lvl4pPr>
+              <a:defRPr sz="1400"/>
+            </a:lvl4pPr>
+            <a:lvl5pPr>
+              <a:defRPr sz="1400"/>
+            </a:lvl5pPr>
+            <a:lvl6pPr>
+              <a:defRPr sz="1400"/>
+            </a:lvl6pPr>
+            <a:lvl7pPr>
+              <a:defRPr sz="1400"/>
+            </a:lvl7pPr>
+            <a:lvl8pPr>
+              <a:defRPr sz="1400"/>
+            </a:lvl8pPr>
+            <a:lvl9pPr>
+              <a:defRPr sz="1400"/>
+            </a:lvl9pPr>
+          </a:lstStyle>
           <a:p>
             <a:pPr lvl="0"/>
             <a:r>
@@ -1225,7 +1424,7 @@
               <a:rPr lang="en-US" smtClean="0"/>
               <a:t>Fifth level</a:t>
             </a:r>
-            <a:endParaRPr lang="fi-FI"/>
+            <a:endParaRPr lang="en-US" dirty="0"/>
           </a:p>
         </p:txBody>
       </p:sp>
@@ -1297,7 +1496,7 @@
     </p:spTree>
     <p:extLst>
       <p:ext uri="{BB962C8B-B14F-4D97-AF65-F5344CB8AC3E}">
-        <p14:creationId xmlns:p14="http://schemas.microsoft.com/office/powerpoint/2010/main" val="3627048301"/>
+        <p14:creationId xmlns:p14="http://schemas.microsoft.com/office/powerpoint/2010/main" val="902384857"/>
       </p:ext>
     </p:extLst>
   </p:cSld>
@@ -1326,54 +1525,58 @@
       </p:grpSpPr>
       <p:sp>
         <p:nvSpPr>
-          <p:cNvPr id="2" name="Title 1"/>
+          <p:cNvPr id="10" name="Title 9"/>
           <p:cNvSpPr>
             <a:spLocks noGrp="1"/>
           </p:cNvSpPr>
           <p:nvPr>
             <p:ph type="title"/>
+          </p:nvPr>
+        </p:nvSpPr>
+        <p:spPr/>
+        <p:txBody>
+          <a:bodyPr/>
+          <a:lstStyle/>
+          <a:p>
+            <a:r>
+              <a:rPr lang="en-US" smtClean="0"/>
+              <a:t>Click to edit Master title style</a:t>
+            </a:r>
+            <a:endParaRPr lang="en-US" dirty="0"/>
+          </a:p>
+        </p:txBody>
+      </p:sp>
+      <p:sp>
+        <p:nvSpPr>
+          <p:cNvPr id="3" name="Text Placeholder 2"/>
+          <p:cNvSpPr>
+            <a:spLocks noGrp="1"/>
+          </p:cNvSpPr>
+          <p:nvPr>
+            <p:ph type="body" idx="1"/>
           </p:nvPr>
         </p:nvSpPr>
         <p:spPr>
           <a:xfrm>
-            <a:off x="839788" y="365125"/>
-            <a:ext cx="10515600" cy="1325563"/>
+            <a:off x="1261872" y="1713655"/>
+            <a:ext cx="4480560" cy="731520"/>
           </a:xfrm>
         </p:spPr>
         <p:txBody>
-          <a:bodyPr/>
-          <a:lstStyle/>
-          <a:p>
-            <a:r>
-              <a:rPr lang="en-US" smtClean="0"/>
-              <a:t>Click to edit Master title style</a:t>
-            </a:r>
-            <a:endParaRPr lang="fi-FI"/>
-          </a:p>
-        </p:txBody>
-      </p:sp>
-      <p:sp>
-        <p:nvSpPr>
-          <p:cNvPr id="3" name="Text Placeholder 2"/>
-          <p:cNvSpPr>
-            <a:spLocks noGrp="1"/>
-          </p:cNvSpPr>
-          <p:nvPr>
-            <p:ph type="body" idx="1"/>
-          </p:nvPr>
-        </p:nvSpPr>
-        <p:spPr>
-          <a:xfrm>
-            <a:off x="839788" y="1681163"/>
-            <a:ext cx="5157787" cy="823912"/>
-          </a:xfrm>
-        </p:spPr>
-        <p:txBody>
-          <a:bodyPr anchor="b"/>
+          <a:bodyPr anchor="b">
+            <a:normAutofit/>
+          </a:bodyPr>
           <a:lstStyle>
             <a:lvl1pPr marL="0" indent="0">
-              <a:buNone/>
-              <a:defRPr sz="2400" b="1"/>
+              <a:spcBef>
+                <a:spcPts val="0"/>
+              </a:spcBef>
+              <a:buNone/>
+              <a:defRPr sz="2000" b="0">
+                <a:solidFill>
+                  <a:schemeClr val="tx2"/>
+                </a:solidFill>
+              </a:defRPr>
             </a:lvl1pPr>
             <a:lvl2pPr marL="457200" indent="0">
               <a:buNone/>
@@ -1429,13 +1632,41 @@
         </p:nvSpPr>
         <p:spPr>
           <a:xfrm>
-            <a:off x="839788" y="2505075"/>
-            <a:ext cx="5157787" cy="3684588"/>
+            <a:off x="1261872" y="2507550"/>
+            <a:ext cx="4480560" cy="3664650"/>
           </a:xfrm>
         </p:spPr>
         <p:txBody>
           <a:bodyPr/>
-          <a:lstStyle/>
+          <a:lstStyle>
+            <a:lvl1pPr>
+              <a:defRPr sz="1800"/>
+            </a:lvl1pPr>
+            <a:lvl2pPr>
+              <a:defRPr sz="1600"/>
+            </a:lvl2pPr>
+            <a:lvl3pPr>
+              <a:defRPr sz="1400"/>
+            </a:lvl3pPr>
+            <a:lvl4pPr>
+              <a:defRPr sz="1400"/>
+            </a:lvl4pPr>
+            <a:lvl5pPr>
+              <a:defRPr sz="1400"/>
+            </a:lvl5pPr>
+            <a:lvl6pPr>
+              <a:defRPr sz="1400"/>
+            </a:lvl6pPr>
+            <a:lvl7pPr>
+              <a:defRPr sz="1400"/>
+            </a:lvl7pPr>
+            <a:lvl8pPr>
+              <a:defRPr sz="1400"/>
+            </a:lvl8pPr>
+            <a:lvl9pPr>
+              <a:defRPr sz="1400"/>
+            </a:lvl9pPr>
+          </a:lstStyle>
           <a:p>
             <a:pPr lvl="0"/>
             <a:r>
@@ -1470,7 +1701,7 @@
               <a:rPr lang="en-US" smtClean="0"/>
               <a:t>Fifth level</a:t>
             </a:r>
-            <a:endParaRPr lang="fi-FI"/>
+            <a:endParaRPr lang="en-US" dirty="0"/>
           </a:p>
         </p:txBody>
       </p:sp>
@@ -1486,16 +1717,31 @@
         </p:nvSpPr>
         <p:spPr>
           <a:xfrm>
-            <a:off x="6172200" y="1681163"/>
-            <a:ext cx="5183188" cy="823912"/>
+            <a:off x="6126480" y="1713655"/>
+            <a:ext cx="4480560" cy="731520"/>
           </a:xfrm>
         </p:spPr>
         <p:txBody>
-          <a:bodyPr anchor="b"/>
+          <a:bodyPr anchor="b">
+            <a:normAutofit/>
+          </a:bodyPr>
           <a:lstStyle>
             <a:lvl1pPr marL="0" indent="0">
-              <a:buNone/>
-              <a:defRPr sz="2400" b="1"/>
+              <a:lnSpc>
+                <a:spcPct val="95000"/>
+              </a:lnSpc>
+              <a:spcBef>
+                <a:spcPts val="0"/>
+              </a:spcBef>
+              <a:buNone/>
+              <a:defRPr lang="en-US" sz="2000" b="0" kern="1200" dirty="0">
+                <a:solidFill>
+                  <a:schemeClr val="tx2"/>
+                </a:solidFill>
+                <a:latin typeface="+mn-lt"/>
+                <a:ea typeface="+mn-ea"/>
+                <a:cs typeface="+mn-cs"/>
+              </a:defRPr>
             </a:lvl1pPr>
             <a:lvl2pPr marL="457200" indent="0">
               <a:buNone/>
@@ -1531,7 +1777,16 @@
             </a:lvl9pPr>
           </a:lstStyle>
           <a:p>
-            <a:pPr lvl="0"/>
+            <a:pPr marL="0" lvl="0" indent="0" algn="l" defTabSz="914400" rtl="0" eaLnBrk="1" latinLnBrk="0" hangingPunct="1">
+              <a:lnSpc>
+                <a:spcPct val="90000"/>
+              </a:lnSpc>
+              <a:spcBef>
+                <a:spcPts val="2000"/>
+              </a:spcBef>
+              <a:buFontTx/>
+              <a:buNone/>
+            </a:pPr>
             <a:r>
               <a:rPr lang="en-US" smtClean="0"/>
               <a:t>Click to edit Master text styles</a:t>
@@ -1551,13 +1806,41 @@
         </p:nvSpPr>
         <p:spPr>
           <a:xfrm>
-            <a:off x="6172200" y="2505075"/>
-            <a:ext cx="5183188" cy="3684588"/>
+            <a:off x="6126480" y="2507550"/>
+            <a:ext cx="4480560" cy="3664650"/>
           </a:xfrm>
         </p:spPr>
         <p:txBody>
           <a:bodyPr/>
-          <a:lstStyle/>
+          <a:lstStyle>
+            <a:lvl1pPr>
+              <a:defRPr sz="1800"/>
+            </a:lvl1pPr>
+            <a:lvl2pPr>
+              <a:defRPr sz="1600"/>
+            </a:lvl2pPr>
+            <a:lvl3pPr>
+              <a:defRPr sz="1400"/>
+            </a:lvl3pPr>
+            <a:lvl4pPr>
+              <a:defRPr sz="1400"/>
+            </a:lvl4pPr>
+            <a:lvl5pPr>
+              <a:defRPr sz="1400"/>
+            </a:lvl5pPr>
+            <a:lvl6pPr>
+              <a:defRPr sz="1400"/>
+            </a:lvl6pPr>
+            <a:lvl7pPr>
+              <a:defRPr sz="1400"/>
+            </a:lvl7pPr>
+            <a:lvl8pPr>
+              <a:defRPr sz="1400"/>
+            </a:lvl8pPr>
+            <a:lvl9pPr>
+              <a:defRPr sz="1400"/>
+            </a:lvl9pPr>
+          </a:lstStyle>
           <a:p>
             <a:pPr lvl="0"/>
             <a:r>
@@ -1592,7 +1875,7 @@
               <a:rPr lang="en-US" smtClean="0"/>
               <a:t>Fifth level</a:t>
             </a:r>
-            <a:endParaRPr lang="fi-FI"/>
+            <a:endParaRPr lang="en-US" dirty="0"/>
           </a:p>
         </p:txBody>
       </p:sp>
@@ -1664,7 +1947,7 @@
     </p:spTree>
     <p:extLst>
       <p:ext uri="{BB962C8B-B14F-4D97-AF65-F5344CB8AC3E}">
-        <p14:creationId xmlns:p14="http://schemas.microsoft.com/office/powerpoint/2010/main" val="2962105626"/>
+        <p14:creationId xmlns:p14="http://schemas.microsoft.com/office/powerpoint/2010/main" val="2955433366"/>
       </p:ext>
     </p:extLst>
   </p:cSld>
@@ -1693,7 +1976,7 @@
       </p:grpSpPr>
       <p:sp>
         <p:nvSpPr>
-          <p:cNvPr id="2" name="Title 1"/>
+          <p:cNvPr id="6" name="Title 5"/>
           <p:cNvSpPr>
             <a:spLocks noGrp="1"/>
           </p:cNvSpPr>
@@ -1710,7 +1993,7 @@
               <a:rPr lang="en-US" smtClean="0"/>
               <a:t>Click to edit Master title style</a:t>
             </a:r>
-            <a:endParaRPr lang="fi-FI"/>
+            <a:endParaRPr lang="en-US" dirty="0"/>
           </a:p>
         </p:txBody>
       </p:sp>
@@ -1782,7 +2065,7 @@
     </p:spTree>
     <p:extLst>
       <p:ext uri="{BB962C8B-B14F-4D97-AF65-F5344CB8AC3E}">
-        <p14:creationId xmlns:p14="http://schemas.microsoft.com/office/powerpoint/2010/main" val="2434617381"/>
+        <p14:creationId xmlns:p14="http://schemas.microsoft.com/office/powerpoint/2010/main" val="2886449303"/>
       </p:ext>
     </p:extLst>
   </p:cSld>
@@ -1877,7 +2160,7 @@
     </p:spTree>
     <p:extLst>
       <p:ext uri="{BB962C8B-B14F-4D97-AF65-F5344CB8AC3E}">
-        <p14:creationId xmlns:p14="http://schemas.microsoft.com/office/powerpoint/2010/main" val="1470147183"/>
+        <p14:creationId xmlns:p14="http://schemas.microsoft.com/office/powerpoint/2010/main" val="2742293947"/>
       </p:ext>
     </p:extLst>
   </p:cSld>
@@ -1916,15 +2199,17 @@
         </p:nvSpPr>
         <p:spPr>
           <a:xfrm>
-            <a:off x="839788" y="457200"/>
-            <a:ext cx="3932237" cy="1600200"/>
+            <a:off x="841248" y="457200"/>
+            <a:ext cx="3200400" cy="1600197"/>
           </a:xfrm>
         </p:spPr>
         <p:txBody>
-          <a:bodyPr anchor="b"/>
+          <a:bodyPr anchor="b">
+            <a:normAutofit/>
+          </a:bodyPr>
           <a:lstStyle>
             <a:lvl1pPr>
-              <a:defRPr sz="3200"/>
+              <a:defRPr sz="3200" b="0" baseline="0"/>
             </a:lvl1pPr>
           </a:lstStyle>
           <a:p>
@@ -1932,7 +2217,7 @@
               <a:rPr lang="en-US" smtClean="0"/>
               <a:t>Click to edit Master title style</a:t>
             </a:r>
-            <a:endParaRPr lang="fi-FI"/>
+            <a:endParaRPr lang="en-US" dirty="0"/>
           </a:p>
         </p:txBody>
       </p:sp>
@@ -1948,39 +2233,39 @@
         </p:nvSpPr>
         <p:spPr>
           <a:xfrm>
-            <a:off x="5183188" y="987425"/>
-            <a:ext cx="6172200" cy="4873625"/>
+            <a:off x="4504267" y="685800"/>
+            <a:ext cx="6079066" cy="5486400"/>
           </a:xfrm>
         </p:spPr>
         <p:txBody>
           <a:bodyPr/>
           <a:lstStyle>
             <a:lvl1pPr>
-              <a:defRPr sz="3200"/>
+              <a:defRPr sz="2000"/>
             </a:lvl1pPr>
             <a:lvl2pPr>
-              <a:defRPr sz="2800"/>
+              <a:defRPr sz="1800"/>
             </a:lvl2pPr>
             <a:lvl3pPr>
-              <a:defRPr sz="2400"/>
+              <a:defRPr sz="1600"/>
             </a:lvl3pPr>
             <a:lvl4pPr>
-              <a:defRPr sz="2000"/>
+              <a:defRPr sz="1400"/>
             </a:lvl4pPr>
             <a:lvl5pPr>
-              <a:defRPr sz="2000"/>
+              <a:defRPr sz="1400"/>
             </a:lvl5pPr>
             <a:lvl6pPr>
-              <a:defRPr sz="2000"/>
+              <a:defRPr sz="1400"/>
             </a:lvl6pPr>
             <a:lvl7pPr>
-              <a:defRPr sz="2000"/>
+              <a:defRPr sz="1400"/>
             </a:lvl7pPr>
             <a:lvl8pPr>
-              <a:defRPr sz="2000"/>
+              <a:defRPr sz="1400"/>
             </a:lvl8pPr>
             <a:lvl9pPr>
-              <a:defRPr sz="2000"/>
+              <a:defRPr sz="1400"/>
             </a:lvl9pPr>
           </a:lstStyle>
           <a:p>
@@ -2017,7 +2302,7 @@
               <a:rPr lang="en-US" smtClean="0"/>
               <a:t>Fifth level</a:t>
             </a:r>
-            <a:endParaRPr lang="fi-FI"/>
+            <a:endParaRPr lang="en-US" dirty="0"/>
           </a:p>
         </p:txBody>
       </p:sp>
@@ -2033,48 +2318,56 @@
         </p:nvSpPr>
         <p:spPr>
           <a:xfrm>
-            <a:off x="839788" y="2057400"/>
-            <a:ext cx="3932237" cy="3811588"/>
+            <a:off x="841248" y="2099734"/>
+            <a:ext cx="3200400" cy="3810001"/>
           </a:xfrm>
         </p:spPr>
         <p:txBody>
-          <a:bodyPr/>
+          <a:bodyPr>
+            <a:normAutofit/>
+          </a:bodyPr>
           <a:lstStyle>
             <a:lvl1pPr marL="0" indent="0">
-              <a:buNone/>
-              <a:defRPr sz="1600"/>
+              <a:lnSpc>
+                <a:spcPct val="114000"/>
+              </a:lnSpc>
+              <a:spcBef>
+                <a:spcPts val="800"/>
+              </a:spcBef>
+              <a:buNone/>
+              <a:defRPr sz="1300"/>
             </a:lvl1pPr>
             <a:lvl2pPr marL="457200" indent="0">
               <a:buNone/>
-              <a:defRPr sz="1400"/>
+              <a:defRPr sz="1200"/>
             </a:lvl2pPr>
             <a:lvl3pPr marL="914400" indent="0">
               <a:buNone/>
-              <a:defRPr sz="1200"/>
+              <a:defRPr sz="1000"/>
             </a:lvl3pPr>
             <a:lvl4pPr marL="1371600" indent="0">
               <a:buNone/>
-              <a:defRPr sz="1000"/>
+              <a:defRPr sz="900"/>
             </a:lvl4pPr>
             <a:lvl5pPr marL="1828800" indent="0">
               <a:buNone/>
-              <a:defRPr sz="1000"/>
+              <a:defRPr sz="900"/>
             </a:lvl5pPr>
             <a:lvl6pPr marL="2286000" indent="0">
               <a:buNone/>
-              <a:defRPr sz="1000"/>
+              <a:defRPr sz="900"/>
             </a:lvl6pPr>
             <a:lvl7pPr marL="2743200" indent="0">
               <a:buNone/>
-              <a:defRPr sz="1000"/>
+              <a:defRPr sz="900"/>
             </a:lvl7pPr>
             <a:lvl8pPr marL="3200400" indent="0">
               <a:buNone/>
-              <a:defRPr sz="1000"/>
+              <a:defRPr sz="900"/>
             </a:lvl8pPr>
             <a:lvl9pPr marL="3657600" indent="0">
               <a:buNone/>
-              <a:defRPr sz="1000"/>
+              <a:defRPr sz="900"/>
             </a:lvl9pPr>
           </a:lstStyle>
           <a:p>
@@ -2154,7 +2447,7 @@
     </p:spTree>
     <p:extLst>
       <p:ext uri="{BB962C8B-B14F-4D97-AF65-F5344CB8AC3E}">
-        <p14:creationId xmlns:p14="http://schemas.microsoft.com/office/powerpoint/2010/main" val="598515005"/>
+        <p14:creationId xmlns:p14="http://schemas.microsoft.com/office/powerpoint/2010/main" val="3045231367"/>
       </p:ext>
     </p:extLst>
   </p:cSld>
@@ -2183,25 +2476,69 @@
       </p:grpSpPr>
       <p:sp>
         <p:nvSpPr>
-          <p:cNvPr id="2" name="Title 1"/>
-          <p:cNvSpPr>
-            <a:spLocks noGrp="1"/>
-          </p:cNvSpPr>
-          <p:nvPr>
-            <p:ph type="title"/>
-          </p:nvPr>
+          <p:cNvPr id="8" name="Rectangle 7"/>
+          <p:cNvSpPr/>
+          <p:nvPr/>
         </p:nvSpPr>
         <p:spPr>
           <a:xfrm>
-            <a:off x="839788" y="457200"/>
-            <a:ext cx="3932237" cy="1600200"/>
+            <a:off x="0" y="5105400"/>
+            <a:ext cx="11292840" cy="1752600"/>
+          </a:xfrm>
+          <a:prstGeom prst="rect">
+            <a:avLst/>
+          </a:prstGeom>
+          <a:solidFill>
+            <a:srgbClr val="000000"/>
+          </a:solidFill>
+          <a:ln>
+            <a:noFill/>
+          </a:ln>
+        </p:spPr>
+        <p:style>
+          <a:lnRef idx="2">
+            <a:schemeClr val="accent1">
+              <a:shade val="50000"/>
+            </a:schemeClr>
+          </a:lnRef>
+          <a:fillRef idx="1">
+            <a:schemeClr val="accent1"/>
+          </a:fillRef>
+          <a:effectRef idx="0">
+            <a:schemeClr val="accent1"/>
+          </a:effectRef>
+          <a:fontRef idx="minor">
+            <a:schemeClr val="lt1"/>
+          </a:fontRef>
+        </p:style>
+      </p:sp>
+      <p:sp>
+        <p:nvSpPr>
+          <p:cNvPr id="2" name="Title 1"/>
+          <p:cNvSpPr>
+            <a:spLocks noGrp="1"/>
+          </p:cNvSpPr>
+          <p:nvPr>
+            <p:ph type="title"/>
+          </p:nvPr>
+        </p:nvSpPr>
+        <p:spPr>
+          <a:xfrm>
+            <a:off x="914400" y="5257800"/>
+            <a:ext cx="9982200" cy="914400"/>
           </a:xfrm>
         </p:spPr>
         <p:txBody>
-          <a:bodyPr anchor="b"/>
+          <a:bodyPr anchor="b">
+            <a:normAutofit/>
+          </a:bodyPr>
           <a:lstStyle>
             <a:lvl1pPr>
-              <a:defRPr sz="3200"/>
+              <a:defRPr sz="2800" b="0">
+                <a:solidFill>
+                  <a:schemeClr val="bg1"/>
+                </a:solidFill>
+              </a:defRPr>
             </a:lvl1pPr>
           </a:lstStyle>
           <a:p>
@@ -2209,7 +2546,7 @@
               <a:rPr lang="en-US" smtClean="0"/>
               <a:t>Click to edit Master title style</a:t>
             </a:r>
-            <a:endParaRPr lang="fi-FI"/>
+            <a:endParaRPr lang="en-US" dirty="0"/>
           </a:p>
         </p:txBody>
       </p:sp>
@@ -2217,7 +2554,7 @@
         <p:nvSpPr>
           <p:cNvPr id="3" name="Picture Placeholder 2"/>
           <p:cNvSpPr>
-            <a:spLocks noGrp="1"/>
+            <a:spLocks noGrp="1" noChangeAspect="1"/>
           </p:cNvSpPr>
           <p:nvPr>
             <p:ph type="pic" idx="1"/>
@@ -2225,16 +2562,23 @@
         </p:nvSpPr>
         <p:spPr>
           <a:xfrm>
-            <a:off x="5183188" y="987425"/>
-            <a:ext cx="6172200" cy="4873625"/>
+            <a:off x="0" y="0"/>
+            <a:ext cx="11292840" cy="5128923"/>
           </a:xfrm>
+          <a:solidFill>
+            <a:schemeClr val="accent1"/>
+          </a:solidFill>
         </p:spPr>
         <p:txBody>
-          <a:bodyPr/>
+          <a:bodyPr anchor="t"/>
           <a:lstStyle>
             <a:lvl1pPr marL="0" indent="0">
               <a:buNone/>
-              <a:defRPr sz="3200"/>
+              <a:defRPr sz="3200">
+                <a:solidFill>
+                  <a:schemeClr val="bg1"/>
+                </a:solidFill>
+              </a:defRPr>
             </a:lvl1pPr>
             <a:lvl2pPr marL="457200" indent="0">
               <a:buNone/>
@@ -2270,7 +2614,11 @@
             </a:lvl9pPr>
           </a:lstStyle>
           <a:p>
-            <a:endParaRPr lang="fi-FI"/>
+            <a:r>
+              <a:rPr lang="en-US" smtClean="0"/>
+              <a:t>Click icon to add picture</a:t>
+            </a:r>
+            <a:endParaRPr lang="en-US" dirty="0"/>
           </a:p>
         </p:txBody>
       </p:sp>
@@ -2286,48 +2634,62 @@
         </p:nvSpPr>
         <p:spPr>
           <a:xfrm>
-            <a:off x="839788" y="2057400"/>
-            <a:ext cx="3932237" cy="3811588"/>
+            <a:off x="914400" y="6108589"/>
+            <a:ext cx="9982200" cy="597011"/>
           </a:xfrm>
         </p:spPr>
         <p:txBody>
-          <a:bodyPr/>
+          <a:bodyPr>
+            <a:normAutofit/>
+          </a:bodyPr>
           <a:lstStyle>
             <a:lvl1pPr marL="0" indent="0">
-              <a:buNone/>
-              <a:defRPr sz="1600"/>
+              <a:lnSpc>
+                <a:spcPct val="100000"/>
+              </a:lnSpc>
+              <a:spcBef>
+                <a:spcPts val="800"/>
+              </a:spcBef>
+              <a:buNone/>
+              <a:defRPr sz="1300">
+                <a:solidFill>
+                  <a:schemeClr val="bg1">
+                    <a:lumMod val="85000"/>
+                  </a:schemeClr>
+                </a:solidFill>
+              </a:defRPr>
             </a:lvl1pPr>
             <a:lvl2pPr marL="457200" indent="0">
               <a:buNone/>
-              <a:defRPr sz="1400"/>
+              <a:defRPr sz="1200"/>
             </a:lvl2pPr>
             <a:lvl3pPr marL="914400" indent="0">
               <a:buNone/>
-              <a:defRPr sz="1200"/>
+              <a:defRPr sz="1000"/>
             </a:lvl3pPr>
             <a:lvl4pPr marL="1371600" indent="0">
               <a:buNone/>
-              <a:defRPr sz="1000"/>
+              <a:defRPr sz="900"/>
             </a:lvl4pPr>
             <a:lvl5pPr marL="1828800" indent="0">
               <a:buNone/>
-              <a:defRPr sz="1000"/>
+              <a:defRPr sz="900"/>
             </a:lvl5pPr>
             <a:lvl6pPr marL="2286000" indent="0">
               <a:buNone/>
-              <a:defRPr sz="1000"/>
+              <a:defRPr sz="900"/>
             </a:lvl6pPr>
             <a:lvl7pPr marL="2743200" indent="0">
               <a:buNone/>
-              <a:defRPr sz="1000"/>
+              <a:defRPr sz="900"/>
             </a:lvl7pPr>
             <a:lvl8pPr marL="3200400" indent="0">
               <a:buNone/>
-              <a:defRPr sz="1000"/>
+              <a:defRPr sz="900"/>
             </a:lvl8pPr>
             <a:lvl9pPr marL="3657600" indent="0">
               <a:buNone/>
-              <a:defRPr sz="1000"/>
+              <a:defRPr sz="900"/>
             </a:lvl9pPr>
           </a:lstStyle>
           <a:p>
@@ -2407,7 +2769,7 @@
     </p:spTree>
     <p:extLst>
       <p:ext uri="{BB962C8B-B14F-4D97-AF65-F5344CB8AC3E}">
-        <p14:creationId xmlns:p14="http://schemas.microsoft.com/office/powerpoint/2010/main" val="4180834663"/>
+        <p14:creationId xmlns:p14="http://schemas.microsoft.com/office/powerpoint/2010/main" val="2336050290"/>
       </p:ext>
     </p:extLst>
   </p:cSld>
@@ -2441,25 +2803,65 @@
       </p:grpSpPr>
       <p:sp>
         <p:nvSpPr>
-          <p:cNvPr id="2" name="Title Placeholder 1"/>
-          <p:cNvSpPr>
-            <a:spLocks noGrp="1"/>
-          </p:cNvSpPr>
-          <p:nvPr>
-            <p:ph type="title"/>
-          </p:nvPr>
+          <p:cNvPr id="7" name="Rectangle 6"/>
+          <p:cNvSpPr/>
+          <p:nvPr/>
         </p:nvSpPr>
         <p:spPr>
           <a:xfrm>
-            <a:off x="838200" y="365125"/>
-            <a:ext cx="10515600" cy="1325563"/>
+            <a:off x="11292840" y="0"/>
+            <a:ext cx="914400" cy="6858000"/>
+          </a:xfrm>
+          <a:prstGeom prst="rect">
+            <a:avLst/>
+          </a:prstGeom>
+          <a:solidFill>
+            <a:schemeClr val="tx2">
+              <a:lumMod val="75000"/>
+            </a:schemeClr>
+          </a:solidFill>
+          <a:ln>
+            <a:noFill/>
+          </a:ln>
+        </p:spPr>
+        <p:style>
+          <a:lnRef idx="2">
+            <a:schemeClr val="accent1">
+              <a:shade val="50000"/>
+            </a:schemeClr>
+          </a:lnRef>
+          <a:fillRef idx="1">
+            <a:schemeClr val="accent1"/>
+          </a:fillRef>
+          <a:effectRef idx="0">
+            <a:schemeClr val="accent1"/>
+          </a:effectRef>
+          <a:fontRef idx="minor">
+            <a:schemeClr val="lt1"/>
+          </a:fontRef>
+        </p:style>
+      </p:sp>
+      <p:sp>
+        <p:nvSpPr>
+          <p:cNvPr id="2" name="Title Placeholder 1"/>
+          <p:cNvSpPr>
+            <a:spLocks noGrp="1"/>
+          </p:cNvSpPr>
+          <p:nvPr>
+            <p:ph type="title"/>
+          </p:nvPr>
+        </p:nvSpPr>
+        <p:spPr>
+          <a:xfrm>
+            <a:off x="1261872" y="365760"/>
+            <a:ext cx="9692640" cy="1325562"/>
           </a:xfrm>
           <a:prstGeom prst="rect">
             <a:avLst/>
           </a:prstGeom>
         </p:spPr>
         <p:txBody>
-          <a:bodyPr vert="horz" lIns="91440" tIns="45720" rIns="91440" bIns="45720" rtlCol="0" anchor="ctr">
+          <a:bodyPr vert="horz" lIns="91440" tIns="45720" rIns="91440" bIns="45720" rtlCol="0" anchor="b">
             <a:normAutofit/>
           </a:bodyPr>
           <a:lstStyle/>
@@ -2468,7 +2870,7 @@
               <a:rPr lang="en-US" smtClean="0"/>
               <a:t>Click to edit Master title style</a:t>
             </a:r>
-            <a:endParaRPr lang="fi-FI"/>
+            <a:endParaRPr lang="en-US" dirty="0"/>
           </a:p>
         </p:txBody>
       </p:sp>
@@ -2484,8 +2886,8 @@
         </p:nvSpPr>
         <p:spPr>
           <a:xfrm>
-            <a:off x="838200" y="1825625"/>
-            <a:ext cx="10515600" cy="4351338"/>
+            <a:off x="1261872" y="1828800"/>
+            <a:ext cx="8595360" cy="4351337"/>
           </a:xfrm>
           <a:prstGeom prst="rect">
             <a:avLst/>
@@ -2530,7 +2932,7 @@
               <a:rPr lang="en-US" smtClean="0"/>
               <a:t>Fifth level</a:t>
             </a:r>
-            <a:endParaRPr lang="fi-FI"/>
+            <a:endParaRPr lang="en-US" dirty="0"/>
           </a:p>
         </p:txBody>
       </p:sp>
@@ -2545,9 +2947,9 @@
           </p:nvPr>
         </p:nvSpPr>
         <p:spPr>
-          <a:xfrm>
-            <a:off x="838200" y="6356350"/>
-            <a:ext cx="2743200" cy="365125"/>
+          <a:xfrm rot="16200000">
+            <a:off x="10797542" y="998537"/>
+            <a:ext cx="1904999" cy="365125"/>
           </a:xfrm>
           <a:prstGeom prst="rect">
             <a:avLst/>
@@ -2556,11 +2958,12 @@
         <p:txBody>
           <a:bodyPr vert="horz" lIns="91440" tIns="45720" rIns="91440" bIns="45720" rtlCol="0" anchor="ctr"/>
           <a:lstStyle>
-            <a:lvl1pPr algn="l">
-              <a:defRPr sz="1200">
+            <a:lvl1pPr algn="r">
+              <a:defRPr sz="1050" b="0">
                 <a:solidFill>
-                  <a:schemeClr val="tx1">
-                    <a:tint val="75000"/>
+                  <a:schemeClr val="tx2">
+                    <a:lumMod val="20000"/>
+                    <a:lumOff val="80000"/>
                   </a:schemeClr>
                 </a:solidFill>
               </a:defRPr>
@@ -2586,9 +2989,9 @@
           </p:nvPr>
         </p:nvSpPr>
         <p:spPr>
-          <a:xfrm>
-            <a:off x="4038600" y="6356350"/>
-            <a:ext cx="4114800" cy="365125"/>
+          <a:xfrm rot="16200000">
+            <a:off x="9959341" y="4046537"/>
+            <a:ext cx="3581400" cy="365125"/>
           </a:xfrm>
           <a:prstGeom prst="rect">
             <a:avLst/>
@@ -2597,11 +3000,12 @@
         <p:txBody>
           <a:bodyPr vert="horz" lIns="91440" tIns="45720" rIns="91440" bIns="45720" rtlCol="0" anchor="ctr"/>
           <a:lstStyle>
-            <a:lvl1pPr algn="ctr">
-              <a:defRPr sz="1200">
+            <a:lvl1pPr algn="l">
+              <a:defRPr sz="1050">
                 <a:solidFill>
-                  <a:schemeClr val="tx1">
-                    <a:tint val="75000"/>
+                  <a:schemeClr val="tx2">
+                    <a:lumMod val="20000"/>
+                    <a:lumOff val="80000"/>
                   </a:schemeClr>
                 </a:solidFill>
               </a:defRPr>
@@ -2624,21 +3028,24 @@
         </p:nvSpPr>
         <p:spPr>
           <a:xfrm>
-            <a:off x="8610600" y="6356350"/>
-            <a:ext cx="2743200" cy="365125"/>
+            <a:off x="11292840" y="6172200"/>
+            <a:ext cx="914400" cy="593725"/>
           </a:xfrm>
           <a:prstGeom prst="rect">
             <a:avLst/>
           </a:prstGeom>
         </p:spPr>
         <p:txBody>
-          <a:bodyPr vert="horz" lIns="91440" tIns="45720" rIns="91440" bIns="45720" rtlCol="0" anchor="ctr"/>
+          <a:bodyPr vert="horz" lIns="45720" tIns="45720" rIns="45720" bIns="45720" rtlCol="0" anchor="ctr">
+            <a:normAutofit/>
+          </a:bodyPr>
           <a:lstStyle>
-            <a:lvl1pPr algn="r">
-              <a:defRPr sz="1200">
+            <a:lvl1pPr algn="ctr">
+              <a:defRPr sz="3600">
                 <a:solidFill>
-                  <a:schemeClr val="tx1">
-                    <a:tint val="75000"/>
+                  <a:schemeClr val="tx2">
+                    <a:lumMod val="60000"/>
+                    <a:lumOff val="40000"/>
                   </a:schemeClr>
                 </a:solidFill>
               </a:defRPr>
@@ -2656,23 +3063,23 @@
     </p:spTree>
     <p:extLst>
       <p:ext uri="{BB962C8B-B14F-4D97-AF65-F5344CB8AC3E}">
-        <p14:creationId xmlns:p14="http://schemas.microsoft.com/office/powerpoint/2010/main" val="488287248"/>
+        <p14:creationId xmlns:p14="http://schemas.microsoft.com/office/powerpoint/2010/main" val="852498908"/>
       </p:ext>
     </p:extLst>
   </p:cSld>
   <p:clrMap bg1="lt1" tx1="dk1" bg2="lt2" tx2="dk2" accent1="accent1" accent2="accent2" accent3="accent3" accent4="accent4" accent5="accent5" accent6="accent6" hlink="hlink" folHlink="folHlink"/>
   <p:sldLayoutIdLst>
-    <p:sldLayoutId id="2147483649" r:id="rId1"/>
-    <p:sldLayoutId id="2147483650" r:id="rId2"/>
-    <p:sldLayoutId id="2147483651" r:id="rId3"/>
-    <p:sldLayoutId id="2147483652" r:id="rId4"/>
-    <p:sldLayoutId id="2147483653" r:id="rId5"/>
-    <p:sldLayoutId id="2147483654" r:id="rId6"/>
-    <p:sldLayoutId id="2147483655" r:id="rId7"/>
-    <p:sldLayoutId id="2147483656" r:id="rId8"/>
-    <p:sldLayoutId id="2147483657" r:id="rId9"/>
-    <p:sldLayoutId id="2147483658" r:id="rId10"/>
-    <p:sldLayoutId id="2147483659" r:id="rId11"/>
+    <p:sldLayoutId id="2147483661" r:id="rId1"/>
+    <p:sldLayoutId id="2147483662" r:id="rId2"/>
+    <p:sldLayoutId id="2147483663" r:id="rId3"/>
+    <p:sldLayoutId id="2147483664" r:id="rId4"/>
+    <p:sldLayoutId id="2147483665" r:id="rId5"/>
+    <p:sldLayoutId id="2147483666" r:id="rId6"/>
+    <p:sldLayoutId id="2147483667" r:id="rId7"/>
+    <p:sldLayoutId id="2147483668" r:id="rId8"/>
+    <p:sldLayoutId id="2147483669" r:id="rId9"/>
+    <p:sldLayoutId id="2147483670" r:id="rId10"/>
+    <p:sldLayoutId id="2147483671" r:id="rId11"/>
   </p:sldLayoutIdLst>
   <p:txStyles>
     <p:titleStyle>
@@ -2684,7 +3091,7 @@
           <a:spcPct val="0"/>
         </a:spcBef>
         <a:buNone/>
-        <a:defRPr sz="4400" kern="1200">
+        <a:defRPr sz="4400" kern="1200" spc="-50" baseline="0">
           <a:solidFill>
             <a:schemeClr val="tx1"/>
           </a:solidFill>
@@ -2695,16 +3102,23 @@
       </a:lvl1pPr>
     </p:titleStyle>
     <p:bodyStyle>
-      <a:lvl1pPr marL="228600" indent="-228600" algn="l" defTabSz="914400" rtl="0" eaLnBrk="1" latinLnBrk="0" hangingPunct="1">
+      <a:lvl1pPr marL="182880" indent="-182880" algn="l" defTabSz="914400" rtl="0" eaLnBrk="1" latinLnBrk="0" hangingPunct="1">
         <a:lnSpc>
-          <a:spcPct val="90000"/>
+          <a:spcPct val="95000"/>
         </a:lnSpc>
         <a:spcBef>
-          <a:spcPts val="1000"/>
+          <a:spcPts val="1400"/>
         </a:spcBef>
-        <a:buFont typeface="Arial" panose="020B0604020202020204" pitchFamily="34" charset="0"/>
+        <a:spcAft>
+          <a:spcPts val="200"/>
+        </a:spcAft>
+        <a:buClr>
+          <a:schemeClr val="accent1"/>
+        </a:buClr>
+        <a:buSzPct val="80000"/>
+        <a:buFont typeface="Arial" pitchFamily="34" charset="0"/>
         <a:buChar char="•"/>
-        <a:defRPr sz="2800" kern="1200">
+        <a:defRPr sz="1800" kern="1200" spc="10" baseline="0">
           <a:solidFill>
             <a:schemeClr val="tx1"/>
           </a:solidFill>
@@ -2713,144 +3127,216 @@
           <a:cs typeface="+mn-cs"/>
         </a:defRPr>
       </a:lvl1pPr>
-      <a:lvl2pPr marL="685800" indent="-228600" algn="l" defTabSz="914400" rtl="0" eaLnBrk="1" latinLnBrk="0" hangingPunct="1">
+      <a:lvl2pPr marL="457200" indent="-182880" algn="l" defTabSz="914400" rtl="0" eaLnBrk="1" latinLnBrk="0" hangingPunct="1">
         <a:lnSpc>
           <a:spcPct val="90000"/>
         </a:lnSpc>
         <a:spcBef>
-          <a:spcPts val="500"/>
+          <a:spcPts val="300"/>
         </a:spcBef>
-        <a:buFont typeface="Arial" panose="020B0604020202020204" pitchFamily="34" charset="0"/>
-        <a:buChar char="•"/>
-        <a:defRPr sz="2400" kern="1200">
+        <a:spcAft>
+          <a:spcPts val="300"/>
+        </a:spcAft>
+        <a:buClr>
+          <a:schemeClr val="accent1"/>
+        </a:buClr>
+        <a:buFont typeface="Wingdings 2" pitchFamily="18" charset="2"/>
+        <a:buChar char=""/>
+        <a:defRPr sz="1600" kern="1200">
           <a:solidFill>
-            <a:schemeClr val="tx1"/>
+            <a:schemeClr val="tx1">
+              <a:lumMod val="85000"/>
+              <a:lumOff val="15000"/>
+            </a:schemeClr>
           </a:solidFill>
           <a:latin typeface="+mn-lt"/>
           <a:ea typeface="+mn-ea"/>
           <a:cs typeface="+mn-cs"/>
         </a:defRPr>
       </a:lvl2pPr>
-      <a:lvl3pPr marL="1143000" indent="-228600" algn="l" defTabSz="914400" rtl="0" eaLnBrk="1" latinLnBrk="0" hangingPunct="1">
+      <a:lvl3pPr marL="731520" indent="-182880" algn="l" defTabSz="914400" rtl="0" eaLnBrk="1" latinLnBrk="0" hangingPunct="1">
         <a:lnSpc>
           <a:spcPct val="90000"/>
         </a:lnSpc>
         <a:spcBef>
-          <a:spcPts val="500"/>
+          <a:spcPts val="300"/>
         </a:spcBef>
-        <a:buFont typeface="Arial" panose="020B0604020202020204" pitchFamily="34" charset="0"/>
-        <a:buChar char="•"/>
-        <a:defRPr sz="2000" kern="1200">
+        <a:spcAft>
+          <a:spcPts val="300"/>
+        </a:spcAft>
+        <a:buClr>
+          <a:schemeClr val="accent1"/>
+        </a:buClr>
+        <a:buFont typeface="Wingdings 2" pitchFamily="18" charset="2"/>
+        <a:buChar char=""/>
+        <a:defRPr sz="1400" kern="1200">
           <a:solidFill>
-            <a:schemeClr val="tx1"/>
+            <a:schemeClr val="tx1">
+              <a:lumMod val="85000"/>
+              <a:lumOff val="15000"/>
+            </a:schemeClr>
           </a:solidFill>
           <a:latin typeface="+mn-lt"/>
           <a:ea typeface="+mn-ea"/>
           <a:cs typeface="+mn-cs"/>
         </a:defRPr>
       </a:lvl3pPr>
-      <a:lvl4pPr marL="1600200" indent="-228600" algn="l" defTabSz="914400" rtl="0" eaLnBrk="1" latinLnBrk="0" hangingPunct="1">
+      <a:lvl4pPr marL="1005840" indent="-182880" algn="l" defTabSz="914400" rtl="0" eaLnBrk="1" latinLnBrk="0" hangingPunct="1">
         <a:lnSpc>
           <a:spcPct val="90000"/>
         </a:lnSpc>
         <a:spcBef>
-          <a:spcPts val="500"/>
+          <a:spcPts val="300"/>
         </a:spcBef>
-        <a:buFont typeface="Arial" panose="020B0604020202020204" pitchFamily="34" charset="0"/>
-        <a:buChar char="•"/>
-        <a:defRPr sz="1800" kern="1200">
+        <a:spcAft>
+          <a:spcPts val="300"/>
+        </a:spcAft>
+        <a:buClr>
+          <a:schemeClr val="accent1"/>
+        </a:buClr>
+        <a:buFont typeface="Wingdings 2" pitchFamily="18" charset="2"/>
+        <a:buChar char=""/>
+        <a:defRPr sz="1400" kern="1200">
           <a:solidFill>
-            <a:schemeClr val="tx1"/>
+            <a:schemeClr val="tx1">
+              <a:lumMod val="85000"/>
+              <a:lumOff val="15000"/>
+            </a:schemeClr>
           </a:solidFill>
           <a:latin typeface="+mn-lt"/>
           <a:ea typeface="+mn-ea"/>
           <a:cs typeface="+mn-cs"/>
         </a:defRPr>
       </a:lvl4pPr>
-      <a:lvl5pPr marL="2057400" indent="-228600" algn="l" defTabSz="914400" rtl="0" eaLnBrk="1" latinLnBrk="0" hangingPunct="1">
+      <a:lvl5pPr marL="1280160" indent="-182880" algn="l" defTabSz="914400" rtl="0" eaLnBrk="1" latinLnBrk="0" hangingPunct="1">
         <a:lnSpc>
           <a:spcPct val="90000"/>
         </a:lnSpc>
         <a:spcBef>
-          <a:spcPts val="500"/>
+          <a:spcPts val="300"/>
         </a:spcBef>
-        <a:buFont typeface="Arial" panose="020B0604020202020204" pitchFamily="34" charset="0"/>
-        <a:buChar char="•"/>
-        <a:defRPr sz="1800" kern="1200">
+        <a:spcAft>
+          <a:spcPts val="300"/>
+        </a:spcAft>
+        <a:buClr>
+          <a:schemeClr val="accent1"/>
+        </a:buClr>
+        <a:buFont typeface="Wingdings 2" pitchFamily="18" charset="2"/>
+        <a:buChar char=""/>
+        <a:defRPr sz="1400" kern="1200">
           <a:solidFill>
-            <a:schemeClr val="tx1"/>
+            <a:schemeClr val="tx1">
+              <a:lumMod val="85000"/>
+              <a:lumOff val="15000"/>
+            </a:schemeClr>
           </a:solidFill>
           <a:latin typeface="+mn-lt"/>
           <a:ea typeface="+mn-ea"/>
           <a:cs typeface="+mn-cs"/>
         </a:defRPr>
       </a:lvl5pPr>
-      <a:lvl6pPr marL="2514600" indent="-228600" algn="l" defTabSz="914400" rtl="0" eaLnBrk="1" latinLnBrk="0" hangingPunct="1">
+      <a:lvl6pPr marL="1600000" indent="-228600" algn="l" defTabSz="914400" rtl="0" eaLnBrk="1" latinLnBrk="0" hangingPunct="1">
         <a:lnSpc>
           <a:spcPct val="90000"/>
         </a:lnSpc>
         <a:spcBef>
-          <a:spcPts val="500"/>
+          <a:spcPts val="300"/>
         </a:spcBef>
-        <a:buFont typeface="Arial" panose="020B0604020202020204" pitchFamily="34" charset="0"/>
-        <a:buChar char="•"/>
-        <a:defRPr sz="1800" kern="1200">
+        <a:spcAft>
+          <a:spcPts val="300"/>
+        </a:spcAft>
+        <a:buClr>
+          <a:schemeClr val="accent1"/>
+        </a:buClr>
+        <a:buFont typeface="Wingdings 2" pitchFamily="18" charset="2"/>
+        <a:buChar char=""/>
+        <a:defRPr sz="1400" kern="1200">
           <a:solidFill>
-            <a:schemeClr val="tx1"/>
+            <a:schemeClr val="tx1">
+              <a:lumMod val="85000"/>
+              <a:lumOff val="15000"/>
+            </a:schemeClr>
           </a:solidFill>
           <a:latin typeface="+mn-lt"/>
           <a:ea typeface="+mn-ea"/>
           <a:cs typeface="+mn-cs"/>
         </a:defRPr>
       </a:lvl6pPr>
-      <a:lvl7pPr marL="2971800" indent="-228600" algn="l" defTabSz="914400" rtl="0" eaLnBrk="1" latinLnBrk="0" hangingPunct="1">
+      <a:lvl7pPr marL="1900000" indent="-228600" algn="l" defTabSz="914400" rtl="0" eaLnBrk="1" latinLnBrk="0" hangingPunct="1">
         <a:lnSpc>
           <a:spcPct val="90000"/>
         </a:lnSpc>
         <a:spcBef>
-          <a:spcPts val="500"/>
+          <a:spcPts val="300"/>
         </a:spcBef>
-        <a:buFont typeface="Arial" panose="020B0604020202020204" pitchFamily="34" charset="0"/>
-        <a:buChar char="•"/>
-        <a:defRPr sz="1800" kern="1200">
+        <a:spcAft>
+          <a:spcPts val="300"/>
+        </a:spcAft>
+        <a:buClr>
+          <a:schemeClr val="accent1"/>
+        </a:buClr>
+        <a:buFont typeface="Wingdings 2" pitchFamily="18" charset="2"/>
+        <a:buChar char=""/>
+        <a:defRPr sz="1400" kern="1200">
           <a:solidFill>
-            <a:schemeClr val="tx1"/>
+            <a:schemeClr val="tx1">
+              <a:lumMod val="85000"/>
+              <a:lumOff val="15000"/>
+            </a:schemeClr>
           </a:solidFill>
           <a:latin typeface="+mn-lt"/>
           <a:ea typeface="+mn-ea"/>
           <a:cs typeface="+mn-cs"/>
         </a:defRPr>
       </a:lvl7pPr>
-      <a:lvl8pPr marL="3429000" indent="-228600" algn="l" defTabSz="914400" rtl="0" eaLnBrk="1" latinLnBrk="0" hangingPunct="1">
+      <a:lvl8pPr marL="2200000" indent="-228600" algn="l" defTabSz="914400" rtl="0" eaLnBrk="1" latinLnBrk="0" hangingPunct="1">
         <a:lnSpc>
           <a:spcPct val="90000"/>
         </a:lnSpc>
         <a:spcBef>
-          <a:spcPts val="500"/>
+          <a:spcPts val="300"/>
         </a:spcBef>
-        <a:buFont typeface="Arial" panose="020B0604020202020204" pitchFamily="34" charset="0"/>
-        <a:buChar char="•"/>
-        <a:defRPr sz="1800" kern="1200">
+        <a:spcAft>
+          <a:spcPts val="300"/>
+        </a:spcAft>
+        <a:buClr>
+          <a:schemeClr val="accent1"/>
+        </a:buClr>
+        <a:buFont typeface="Wingdings 2" pitchFamily="18" charset="2"/>
+        <a:buChar char=""/>
+        <a:defRPr sz="1400" kern="1200">
           <a:solidFill>
-            <a:schemeClr val="tx1"/>
+            <a:schemeClr val="tx1">
+              <a:lumMod val="85000"/>
+              <a:lumOff val="15000"/>
+            </a:schemeClr>
           </a:solidFill>
           <a:latin typeface="+mn-lt"/>
           <a:ea typeface="+mn-ea"/>
           <a:cs typeface="+mn-cs"/>
         </a:defRPr>
       </a:lvl8pPr>
-      <a:lvl9pPr marL="3886200" indent="-228600" algn="l" defTabSz="914400" rtl="0" eaLnBrk="1" latinLnBrk="0" hangingPunct="1">
+      <a:lvl9pPr marL="2500000" indent="-228600" algn="l" defTabSz="914400" rtl="0" eaLnBrk="1" latinLnBrk="0" hangingPunct="1">
         <a:lnSpc>
           <a:spcPct val="90000"/>
         </a:lnSpc>
         <a:spcBef>
-          <a:spcPts val="500"/>
+          <a:spcPts val="300"/>
         </a:spcBef>
-        <a:buFont typeface="Arial" panose="020B0604020202020204" pitchFamily="34" charset="0"/>
-        <a:buChar char="•"/>
-        <a:defRPr sz="1800" kern="1200">
+        <a:spcAft>
+          <a:spcPts val="300"/>
+        </a:spcAft>
+        <a:buClr>
+          <a:schemeClr val="accent1"/>
+        </a:buClr>
+        <a:buFont typeface="Wingdings 2" pitchFamily="18" charset="2"/>
+        <a:buChar char=""/>
+        <a:defRPr sz="1400" kern="1200">
           <a:solidFill>
-            <a:schemeClr val="tx1"/>
+            <a:schemeClr val="tx1">
+              <a:lumMod val="85000"/>
+              <a:lumOff val="15000"/>
+            </a:schemeClr>
           </a:solidFill>
           <a:latin typeface="+mn-lt"/>
           <a:ea typeface="+mn-ea"/>
@@ -2860,7 +3346,7 @@
     </p:bodyStyle>
     <p:otherStyle>
       <a:defPPr>
-        <a:defRPr lang="fi-FI"/>
+        <a:defRPr lang="en-US"/>
       </a:defPPr>
       <a:lvl1pPr marL="0" algn="l" defTabSz="914400" rtl="0" eaLnBrk="1" latinLnBrk="0" hangingPunct="1">
         <a:defRPr sz="1800" kern="1200">
@@ -3009,13 +3495,35 @@
         </p:nvSpPr>
         <p:spPr/>
         <p:txBody>
-          <a:bodyPr/>
+          <a:bodyPr>
+            <a:normAutofit fontScale="92500" lnSpcReduction="20000"/>
+          </a:bodyPr>
           <a:lstStyle/>
           <a:p>
             <a:r>
               <a:rPr lang="fi-FI" dirty="0" smtClean="0"/>
-              <a:t>Tekijät merkataan tähän</a:t>
-            </a:r>
+              <a:t>Tuomas Kyttä</a:t>
+            </a:r>
+          </a:p>
+          <a:p>
+            <a:r>
+              <a:rPr lang="fi-FI" dirty="0" smtClean="0"/>
+              <a:t>Arttu Heinonen</a:t>
+            </a:r>
+          </a:p>
+          <a:p>
+            <a:r>
+              <a:rPr lang="fi-FI" smtClean="0"/>
+              <a:t>Joonas Mäkelä</a:t>
+            </a:r>
+            <a:endParaRPr lang="fi-FI" dirty="0" smtClean="0"/>
+          </a:p>
+          <a:p>
+            <a:r>
+              <a:rPr lang="fi-FI" dirty="0" smtClean="0"/>
+              <a:t>Urho Laukkarinen</a:t>
+            </a:r>
+            <a:endParaRPr lang="fi-FI" dirty="0" smtClean="0"/>
           </a:p>
         </p:txBody>
       </p:sp>
@@ -3029,6 +3537,13 @@
   <p:clrMapOvr>
     <a:masterClrMapping/>
   </p:clrMapOvr>
+  <p:timing>
+    <p:tnLst>
+      <p:par>
+        <p:cTn id="1" dur="indefinite" restart="never" nodeType="tmRoot"/>
+      </p:par>
+    </p:tnLst>
+  </p:timing>
 </p:sld>
 </file>
 
@@ -3134,6 +3649,13 @@
   <p:clrMapOvr>
     <a:masterClrMapping/>
   </p:clrMapOvr>
+  <p:timing>
+    <p:tnLst>
+      <p:par>
+        <p:cTn id="1" dur="indefinite" restart="never" nodeType="tmRoot"/>
+      </p:par>
+    </p:tnLst>
+  </p:timing>
 </p:sld>
 </file>
 
@@ -3206,6 +3728,13 @@
   <p:clrMapOvr>
     <a:masterClrMapping/>
   </p:clrMapOvr>
+  <p:timing>
+    <p:tnLst>
+      <p:par>
+        <p:cTn id="1" dur="indefinite" restart="never" nodeType="tmRoot"/>
+      </p:par>
+    </p:tnLst>
+  </p:timing>
 </p:sld>
 </file>
 
@@ -3302,6 +3831,13 @@
   <p:clrMapOvr>
     <a:masterClrMapping/>
   </p:clrMapOvr>
+  <p:timing>
+    <p:tnLst>
+      <p:par>
+        <p:cTn id="1" dur="indefinite" restart="never" nodeType="tmRoot"/>
+      </p:par>
+    </p:tnLst>
+  </p:timing>
 </p:sld>
 </file>
 
@@ -3384,6 +3920,13 @@
   <p:clrMapOvr>
     <a:masterClrMapping/>
   </p:clrMapOvr>
+  <p:timing>
+    <p:tnLst>
+      <p:par>
+        <p:cTn id="1" dur="indefinite" restart="never" nodeType="tmRoot"/>
+      </p:par>
+    </p:tnLst>
+  </p:timing>
 </p:sld>
 </file>
 
@@ -3470,11 +4013,7 @@
             </a:r>
             <a:r>
               <a:rPr lang="fi-FI" dirty="0" smtClean="0"/>
-              <a:t>) </a:t>
-            </a:r>
-            <a:r>
-              <a:rPr lang="fi-FI" smtClean="0"/>
-              <a:t>ja ”laskuri täynnä” -otto</a:t>
+              <a:t>) ja ”laskuri täynnä” -otto</a:t>
             </a:r>
             <a:endParaRPr lang="fi-FI" dirty="0"/>
           </a:p>
@@ -3490,97 +4029,349 @@
   <p:clrMapOvr>
     <a:masterClrMapping/>
   </p:clrMapOvr>
+  <p:timing>
+    <p:tnLst>
+      <p:par>
+        <p:cTn id="1" dur="indefinite" restart="never" nodeType="tmRoot"/>
+      </p:par>
+    </p:tnLst>
+  </p:timing>
+</p:sld>
+</file>
+
+<file path=ppt/slides/slide7.xml><?xml version="1.0" encoding="utf-8"?>
+<p:sld xmlns:a="http://schemas.openxmlformats.org/drawingml/2006/main" xmlns:r="http://schemas.openxmlformats.org/officeDocument/2006/relationships" xmlns:p="http://schemas.openxmlformats.org/presentationml/2006/main">
+  <p:cSld>
+    <p:spTree>
+      <p:nvGrpSpPr>
+        <p:cNvPr id="1" name=""/>
+        <p:cNvGrpSpPr/>
+        <p:nvPr/>
+      </p:nvGrpSpPr>
+      <p:grpSpPr>
+        <a:xfrm>
+          <a:off x="0" y="0"/>
+          <a:ext cx="0" cy="0"/>
+          <a:chOff x="0" y="0"/>
+          <a:chExt cx="0" cy="0"/>
+        </a:xfrm>
+      </p:grpSpPr>
+      <p:sp>
+        <p:nvSpPr>
+          <p:cNvPr id="10" name="Title 9"/>
+          <p:cNvSpPr>
+            <a:spLocks noGrp="1"/>
+          </p:cNvSpPr>
+          <p:nvPr>
+            <p:ph type="title"/>
+          </p:nvPr>
+        </p:nvSpPr>
+        <p:spPr/>
+        <p:txBody>
+          <a:bodyPr/>
+          <a:lstStyle/>
+          <a:p>
+            <a:r>
+              <a:rPr lang="fi-FI" dirty="0" smtClean="0"/>
+              <a:t>Esimerkkejä</a:t>
+            </a:r>
+            <a:endParaRPr lang="fi-FI" dirty="0"/>
+          </a:p>
+        </p:txBody>
+      </p:sp>
+      <p:pic>
+        <p:nvPicPr>
+          <p:cNvPr id="15" name="Content Placeholder 14" descr="Screen Clipping"/>
+          <p:cNvPicPr>
+            <a:picLocks noGrp="1" noChangeAspect="1"/>
+          </p:cNvPicPr>
+          <p:nvPr>
+            <p:ph sz="half" idx="1"/>
+          </p:nvPr>
+        </p:nvPicPr>
+        <p:blipFill>
+          <a:blip r:embed="rId2">
+            <a:extLst>
+              <a:ext uri="{28A0092B-C50C-407E-A947-70E740481C1C}">
+                <a14:useLocalDpi xmlns:a14="http://schemas.microsoft.com/office/drawing/2010/main" val="0"/>
+              </a:ext>
+            </a:extLst>
+          </a:blip>
+          <a:stretch>
+            <a:fillRect/>
+          </a:stretch>
+        </p:blipFill>
+        <p:spPr>
+          <a:xfrm>
+            <a:off x="2235023" y="2851783"/>
+            <a:ext cx="2534004" cy="2305372"/>
+          </a:xfrm>
+          <a:prstGeom prst="rect">
+            <a:avLst/>
+          </a:prstGeom>
+        </p:spPr>
+      </p:pic>
+      <p:sp>
+        <p:nvSpPr>
+          <p:cNvPr id="12" name="Content Placeholder 11"/>
+          <p:cNvSpPr>
+            <a:spLocks noGrp="1"/>
+          </p:cNvSpPr>
+          <p:nvPr>
+            <p:ph sz="half" idx="2"/>
+          </p:nvPr>
+        </p:nvSpPr>
+        <p:spPr/>
+        <p:txBody>
+          <a:bodyPr/>
+          <a:lstStyle/>
+          <a:p>
+            <a:r>
+              <a:rPr lang="fi-FI" dirty="0" smtClean="0"/>
+              <a:t>4-bittisen laskurin laskentasekvenssi (asynkroninen).</a:t>
+            </a:r>
+          </a:p>
+        </p:txBody>
+      </p:sp>
+    </p:spTree>
+    <p:extLst>
+      <p:ext uri="{BB962C8B-B14F-4D97-AF65-F5344CB8AC3E}">
+        <p14:creationId xmlns:p14="http://schemas.microsoft.com/office/powerpoint/2010/main" val="2662003410"/>
+      </p:ext>
+    </p:extLst>
+  </p:cSld>
+  <p:clrMapOvr>
+    <a:masterClrMapping/>
+  </p:clrMapOvr>
+  <p:timing>
+    <p:tnLst>
+      <p:par>
+        <p:cTn id="1" dur="indefinite" restart="never" nodeType="tmRoot"/>
+      </p:par>
+    </p:tnLst>
+  </p:timing>
+</p:sld>
+</file>
+
+<file path=ppt/slides/slide8.xml><?xml version="1.0" encoding="utf-8"?>
+<p:sld xmlns:a="http://schemas.openxmlformats.org/drawingml/2006/main" xmlns:r="http://schemas.openxmlformats.org/officeDocument/2006/relationships" xmlns:p="http://schemas.openxmlformats.org/presentationml/2006/main">
+  <p:cSld>
+    <p:spTree>
+      <p:nvGrpSpPr>
+        <p:cNvPr id="1" name=""/>
+        <p:cNvGrpSpPr/>
+        <p:nvPr/>
+      </p:nvGrpSpPr>
+      <p:grpSpPr>
+        <a:xfrm>
+          <a:off x="0" y="0"/>
+          <a:ext cx="0" cy="0"/>
+          <a:chOff x="0" y="0"/>
+          <a:chExt cx="0" cy="0"/>
+        </a:xfrm>
+      </p:grpSpPr>
+      <p:sp>
+        <p:nvSpPr>
+          <p:cNvPr id="2" name="Title 1"/>
+          <p:cNvSpPr>
+            <a:spLocks noGrp="1"/>
+          </p:cNvSpPr>
+          <p:nvPr>
+            <p:ph type="title"/>
+          </p:nvPr>
+        </p:nvSpPr>
+        <p:spPr/>
+        <p:txBody>
+          <a:bodyPr/>
+          <a:lstStyle/>
+          <a:p>
+            <a:endParaRPr lang="fi-FI"/>
+          </a:p>
+        </p:txBody>
+      </p:sp>
+      <p:pic>
+        <p:nvPicPr>
+          <p:cNvPr id="6" name="Content Placeholder 5" descr="Screen Clipping"/>
+          <p:cNvPicPr>
+            <a:picLocks noGrp="1" noChangeAspect="1"/>
+          </p:cNvPicPr>
+          <p:nvPr>
+            <p:ph sz="half" idx="1"/>
+          </p:nvPr>
+        </p:nvPicPr>
+        <p:blipFill>
+          <a:blip r:embed="rId2">
+            <a:extLst>
+              <a:ext uri="{28A0092B-C50C-407E-A947-70E740481C1C}">
+                <a14:useLocalDpi xmlns:a14="http://schemas.microsoft.com/office/drawing/2010/main" val="0"/>
+              </a:ext>
+            </a:extLst>
+          </a:blip>
+          <a:stretch>
+            <a:fillRect/>
+          </a:stretch>
+        </p:blipFill>
+        <p:spPr>
+          <a:xfrm>
+            <a:off x="632176" y="1690688"/>
+            <a:ext cx="5791429" cy="2724464"/>
+          </a:xfrm>
+        </p:spPr>
+      </p:pic>
+      <p:sp>
+        <p:nvSpPr>
+          <p:cNvPr id="4" name="Content Placeholder 3"/>
+          <p:cNvSpPr>
+            <a:spLocks noGrp="1"/>
+          </p:cNvSpPr>
+          <p:nvPr>
+            <p:ph sz="half" idx="2"/>
+          </p:nvPr>
+        </p:nvSpPr>
+        <p:spPr/>
+        <p:txBody>
+          <a:bodyPr/>
+          <a:lstStyle/>
+          <a:p>
+            <a:r>
+              <a:rPr lang="fi-FI" dirty="0" smtClean="0"/>
+              <a:t>Signaalityylinen muotoilu edellisestä esimerkistä.</a:t>
+            </a:r>
+          </a:p>
+          <a:p>
+            <a:r>
+              <a:rPr lang="fi-FI" dirty="0" smtClean="0"/>
+              <a:t>Kellotaajuus määrää bittien muutosten nopeuden.</a:t>
+            </a:r>
+          </a:p>
+          <a:p>
+            <a:r>
+              <a:rPr lang="fi-FI" dirty="0" smtClean="0"/>
+              <a:t>Alemmassa kuvassa laskurin rakenne.</a:t>
+            </a:r>
+          </a:p>
+          <a:p>
+            <a:r>
+              <a:rPr lang="fi-FI" dirty="0"/>
+              <a:t>Rakennettavissa esim. </a:t>
+            </a:r>
+            <a:r>
+              <a:rPr lang="fi-FI" dirty="0" err="1"/>
+              <a:t>Logisimillä</a:t>
+            </a:r>
+            <a:r>
+              <a:rPr lang="fi-FI" dirty="0"/>
+              <a:t>.</a:t>
+            </a:r>
+          </a:p>
+          <a:p>
+            <a:endParaRPr lang="fi-FI" dirty="0"/>
+          </a:p>
+        </p:txBody>
+      </p:sp>
+      <p:pic>
+        <p:nvPicPr>
+          <p:cNvPr id="7" name="Picture 6" descr="Screen Clipping"/>
+          <p:cNvPicPr>
+            <a:picLocks noChangeAspect="1"/>
+          </p:cNvPicPr>
+          <p:nvPr/>
+        </p:nvPicPr>
+        <p:blipFill>
+          <a:blip r:embed="rId3">
+            <a:extLst>
+              <a:ext uri="{28A0092B-C50C-407E-A947-70E740481C1C}">
+                <a14:useLocalDpi xmlns:a14="http://schemas.microsoft.com/office/drawing/2010/main" val="0"/>
+              </a:ext>
+            </a:extLst>
+          </a:blip>
+          <a:stretch>
+            <a:fillRect/>
+          </a:stretch>
+        </p:blipFill>
+        <p:spPr>
+          <a:xfrm>
+            <a:off x="259645" y="4415152"/>
+            <a:ext cx="5912556" cy="1629308"/>
+          </a:xfrm>
+          <a:prstGeom prst="rect">
+            <a:avLst/>
+          </a:prstGeom>
+        </p:spPr>
+      </p:pic>
+    </p:spTree>
+    <p:extLst>
+      <p:ext uri="{BB962C8B-B14F-4D97-AF65-F5344CB8AC3E}">
+        <p14:creationId xmlns:p14="http://schemas.microsoft.com/office/powerpoint/2010/main" val="2337653459"/>
+      </p:ext>
+    </p:extLst>
+  </p:cSld>
+  <p:clrMapOvr>
+    <a:masterClrMapping/>
+  </p:clrMapOvr>
+  <p:timing>
+    <p:tnLst>
+      <p:par>
+        <p:cTn id="1" dur="indefinite" restart="never" nodeType="tmRoot"/>
+      </p:par>
+    </p:tnLst>
+  </p:timing>
 </p:sld>
 </file>
 
 <file path=ppt/theme/theme1.xml><?xml version="1.0" encoding="utf-8"?>
-<a:theme xmlns:a="http://schemas.openxmlformats.org/drawingml/2006/main" name="Office Theme">
+<a:theme xmlns:a="http://schemas.openxmlformats.org/drawingml/2006/main" name="View">
   <a:themeElements>
-    <a:clrScheme name="Office">
+    <a:clrScheme name="View">
       <a:dk1>
-        <a:sysClr val="windowText" lastClr="000000"/>
+        <a:srgbClr val="000000"/>
       </a:dk1>
       <a:lt1>
-        <a:sysClr val="window" lastClr="FFFFFF"/>
+        <a:srgbClr val="FFFFFF"/>
       </a:lt1>
       <a:dk2>
-        <a:srgbClr val="44546A"/>
+        <a:srgbClr val="46464A"/>
       </a:dk2>
       <a:lt2>
-        <a:srgbClr val="E7E6E6"/>
+        <a:srgbClr val="D6D3CC"/>
       </a:lt2>
       <a:accent1>
-        <a:srgbClr val="5B9BD5"/>
+        <a:srgbClr val="6F6F74"/>
       </a:accent1>
       <a:accent2>
-        <a:srgbClr val="ED7D31"/>
+        <a:srgbClr val="92A9B9"/>
       </a:accent2>
       <a:accent3>
-        <a:srgbClr val="A5A5A5"/>
+        <a:srgbClr val="A7B789"/>
       </a:accent3>
       <a:accent4>
-        <a:srgbClr val="FFC000"/>
+        <a:srgbClr val="B9A489"/>
       </a:accent4>
       <a:accent5>
-        <a:srgbClr val="4472C4"/>
+        <a:srgbClr val="8D6374"/>
       </a:accent5>
       <a:accent6>
-        <a:srgbClr val="70AD47"/>
+        <a:srgbClr val="9B7362"/>
       </a:accent6>
       <a:hlink>
-        <a:srgbClr val="0563C1"/>
+        <a:srgbClr val="67AABF"/>
       </a:hlink>
       <a:folHlink>
-        <a:srgbClr val="954F72"/>
+        <a:srgbClr val="ABAFA5"/>
       </a:folHlink>
     </a:clrScheme>
-    <a:fontScheme name="Office">
+    <a:fontScheme name="View">
       <a:majorFont>
-        <a:latin typeface="Calibri Light" panose="020F0302020204030204"/>
+        <a:latin typeface="Century Schoolbook" panose="02040604050505020304"/>
         <a:ea typeface=""/>
         <a:cs typeface=""/>
-        <a:font script="Jpan" typeface="ＭＳ Ｐゴシック"/>
+        <a:font script="Jpan" typeface="ＭＳ ゴシック"/>
         <a:font script="Hang" typeface="맑은 고딕"/>
         <a:font script="Hans" typeface="宋体"/>
         <a:font script="Hant" typeface="新細明體"/>
-        <a:font script="Arab" typeface="Times New Roman"/>
-        <a:font script="Hebr" typeface="Times New Roman"/>
-        <a:font script="Thai" typeface="Angsana New"/>
-        <a:font script="Ethi" typeface="Nyala"/>
-        <a:font script="Beng" typeface="Vrinda"/>
-        <a:font script="Gujr" typeface="Shruti"/>
-        <a:font script="Khmr" typeface="MoolBoran"/>
-        <a:font script="Knda" typeface="Tunga"/>
-        <a:font script="Guru" typeface="Raavi"/>
-        <a:font script="Cans" typeface="Euphemia"/>
-        <a:font script="Cher" typeface="Plantagenet Cherokee"/>
-        <a:font script="Yiii" typeface="Microsoft Yi Baiti"/>
-        <a:font script="Tibt" typeface="Microsoft Himalaya"/>
-        <a:font script="Thaa" typeface="MV Boli"/>
-        <a:font script="Deva" typeface="Mangal"/>
-        <a:font script="Telu" typeface="Gautami"/>
-        <a:font script="Taml" typeface="Latha"/>
-        <a:font script="Syrc" typeface="Estrangelo Edessa"/>
-        <a:font script="Orya" typeface="Kalinga"/>
-        <a:font script="Mlym" typeface="Kartika"/>
-        <a:font script="Laoo" typeface="DokChampa"/>
-        <a:font script="Sinh" typeface="Iskoola Pota"/>
-        <a:font script="Mong" typeface="Mongolian Baiti"/>
-        <a:font script="Viet" typeface="Times New Roman"/>
-        <a:font script="Uigh" typeface="Microsoft Uighur"/>
-        <a:font script="Geor" typeface="Sylfaen"/>
-      </a:majorFont>
-      <a:minorFont>
-        <a:latin typeface="Calibri" panose="020F0502020204030204"/>
-        <a:ea typeface=""/>
-        <a:cs typeface=""/>
-        <a:font script="Jpan" typeface="ＭＳ Ｐゴシック"/>
-        <a:font script="Hang" typeface="맑은 고딕"/>
-        <a:font script="Hans" typeface="宋体"/>
-        <a:font script="Hant" typeface="新細明體"/>
-        <a:font script="Arab" typeface="Arial"/>
-        <a:font script="Hebr" typeface="Arial"/>
-        <a:font script="Thai" typeface="Cordia New"/>
+        <a:font script="Arab" typeface="Tahoma"/>
+        <a:font script="Hebr" typeface="Gisha"/>
+        <a:font script="Thai" typeface="DilleniaUPC"/>
         <a:font script="Ethi" typeface="Nyala"/>
         <a:font script="Beng" typeface="Vrinda"/>
         <a:font script="Gujr" typeface="Shruti"/>
@@ -3601,90 +4392,86 @@
         <a:font script="Laoo" typeface="DokChampa"/>
         <a:font script="Sinh" typeface="Iskoola Pota"/>
         <a:font script="Mong" typeface="Mongolian Baiti"/>
-        <a:font script="Viet" typeface="Arial"/>
+        <a:font script="Viet" typeface="Tahoma"/>
+        <a:font script="Uigh" typeface="Microsoft Uighur"/>
+        <a:font script="Geor" typeface="Sylfaen"/>
+      </a:majorFont>
+      <a:minorFont>
+        <a:latin typeface="Century Schoolbook" panose="02040604050505020304"/>
+        <a:ea typeface=""/>
+        <a:cs typeface=""/>
+        <a:font script="Jpan" typeface="ＭＳ ゴシック"/>
+        <a:font script="Hang" typeface="맑은 고딕"/>
+        <a:font script="Hans" typeface="宋体"/>
+        <a:font script="Hant" typeface="新細明體"/>
+        <a:font script="Arab" typeface="Tahoma"/>
+        <a:font script="Hebr" typeface="Gisha"/>
+        <a:font script="Thai" typeface="DilleniaUPC"/>
+        <a:font script="Ethi" typeface="Nyala"/>
+        <a:font script="Beng" typeface="Vrinda"/>
+        <a:font script="Gujr" typeface="Shruti"/>
+        <a:font script="Khmr" typeface="DaunPenh"/>
+        <a:font script="Knda" typeface="Tunga"/>
+        <a:font script="Guru" typeface="Raavi"/>
+        <a:font script="Cans" typeface="Euphemia"/>
+        <a:font script="Cher" typeface="Plantagenet Cherokee"/>
+        <a:font script="Yiii" typeface="Microsoft Yi Baiti"/>
+        <a:font script="Tibt" typeface="Microsoft Himalaya"/>
+        <a:font script="Thaa" typeface="MV Boli"/>
+        <a:font script="Deva" typeface="Mangal"/>
+        <a:font script="Telu" typeface="Gautami"/>
+        <a:font script="Taml" typeface="Latha"/>
+        <a:font script="Syrc" typeface="Estrangelo Edessa"/>
+        <a:font script="Orya" typeface="Kalinga"/>
+        <a:font script="Mlym" typeface="Kartika"/>
+        <a:font script="Laoo" typeface="DokChampa"/>
+        <a:font script="Sinh" typeface="Iskoola Pota"/>
+        <a:font script="Mong" typeface="Mongolian Baiti"/>
+        <a:font script="Viet" typeface="Verdana"/>
         <a:font script="Uigh" typeface="Microsoft Uighur"/>
         <a:font script="Geor" typeface="Sylfaen"/>
       </a:minorFont>
     </a:fontScheme>
-    <a:fmtScheme name="Office">
+    <a:fmtScheme name="View">
       <a:fillStyleLst>
         <a:solidFill>
           <a:schemeClr val="phClr"/>
         </a:solidFill>
-        <a:gradFill rotWithShape="1">
-          <a:gsLst>
-            <a:gs pos="0">
-              <a:schemeClr val="phClr">
-                <a:lumMod val="110000"/>
-                <a:satMod val="105000"/>
-                <a:tint val="67000"/>
-              </a:schemeClr>
-            </a:gs>
-            <a:gs pos="50000">
-              <a:schemeClr val="phClr">
-                <a:lumMod val="105000"/>
-                <a:satMod val="103000"/>
-                <a:tint val="73000"/>
-              </a:schemeClr>
-            </a:gs>
-            <a:gs pos="100000">
-              <a:schemeClr val="phClr">
-                <a:lumMod val="105000"/>
-                <a:satMod val="109000"/>
-                <a:tint val="81000"/>
-              </a:schemeClr>
-            </a:gs>
-          </a:gsLst>
-          <a:lin ang="5400000" scaled="0"/>
-        </a:gradFill>
-        <a:gradFill rotWithShape="1">
-          <a:gsLst>
-            <a:gs pos="0">
-              <a:schemeClr val="phClr">
-                <a:satMod val="103000"/>
-                <a:lumMod val="102000"/>
-                <a:tint val="94000"/>
-              </a:schemeClr>
-            </a:gs>
-            <a:gs pos="50000">
-              <a:schemeClr val="phClr">
-                <a:satMod val="110000"/>
-                <a:lumMod val="100000"/>
-                <a:shade val="100000"/>
-              </a:schemeClr>
-            </a:gs>
-            <a:gs pos="100000">
-              <a:schemeClr val="phClr">
-                <a:lumMod val="99000"/>
-                <a:satMod val="120000"/>
-                <a:shade val="78000"/>
-              </a:schemeClr>
-            </a:gs>
-          </a:gsLst>
-          <a:lin ang="5400000" scaled="0"/>
-        </a:gradFill>
+        <a:solidFill>
+          <a:schemeClr val="phClr">
+            <a:tint val="60000"/>
+            <a:satMod val="120000"/>
+          </a:schemeClr>
+        </a:solidFill>
+        <a:solidFill>
+          <a:schemeClr val="phClr">
+            <a:shade val="75000"/>
+            <a:satMod val="160000"/>
+          </a:schemeClr>
+        </a:solidFill>
       </a:fillStyleLst>
       <a:lnStyleLst>
-        <a:ln w="6350" cap="flat" cmpd="sng" algn="ctr">
+        <a:ln w="9525" cap="flat" cmpd="sng" algn="ctr">
           <a:solidFill>
             <a:schemeClr val="phClr"/>
           </a:solidFill>
           <a:prstDash val="solid"/>
-          <a:miter lim="800000"/>
         </a:ln>
-        <a:ln w="12700" cap="flat" cmpd="sng" algn="ctr">
+        <a:ln w="13970" cap="flat" cmpd="sng" algn="ctr">
           <a:solidFill>
             <a:schemeClr val="phClr"/>
           </a:solidFill>
           <a:prstDash val="solid"/>
-          <a:miter lim="800000"/>
         </a:ln>
-        <a:ln w="19050" cap="flat" cmpd="sng" algn="ctr">
+        <a:ln w="17145" cap="flat" cmpd="sng" algn="ctr">
           <a:solidFill>
-            <a:schemeClr val="phClr"/>
+            <a:schemeClr val="phClr">
+              <a:shade val="95000"/>
+              <a:alpha val="95000"/>
+              <a:satMod val="150000"/>
+            </a:schemeClr>
           </a:solidFill>
           <a:prstDash val="solid"/>
-          <a:miter lim="800000"/>
         </a:ln>
       </a:lnStyleLst>
       <a:effectStyleLst>
@@ -3692,16 +4479,52 @@
           <a:effectLst/>
         </a:effectStyle>
         <a:effectStyle>
-          <a:effectLst/>
+          <a:effectLst>
+            <a:outerShdw blurRad="50800" dist="15240" dir="5400000" algn="tl" rotWithShape="0">
+              <a:srgbClr val="000000">
+                <a:alpha val="75000"/>
+              </a:srgbClr>
+            </a:outerShdw>
+          </a:effectLst>
+          <a:scene3d>
+            <a:camera prst="orthographicFront">
+              <a:rot lat="0" lon="0" rev="0"/>
+            </a:camera>
+            <a:lightRig rig="brightRoom" dir="tl"/>
+          </a:scene3d>
+          <a:sp3d contourW="9525" prstMaterial="flat">
+            <a:bevelT w="0" h="0" prst="coolSlant"/>
+            <a:contourClr>
+              <a:schemeClr val="phClr">
+                <a:shade val="35000"/>
+                <a:satMod val="130000"/>
+              </a:schemeClr>
+            </a:contourClr>
+          </a:sp3d>
         </a:effectStyle>
         <a:effectStyle>
           <a:effectLst>
-            <a:outerShdw blurRad="57150" dist="19050" dir="5400000" algn="ctr" rotWithShape="0">
+            <a:outerShdw blurRad="76200" dist="25400" dir="5400000" algn="tl" rotWithShape="0">
               <a:srgbClr val="000000">
-                <a:alpha val="63000"/>
+                <a:alpha val="55000"/>
               </a:srgbClr>
             </a:outerShdw>
           </a:effectLst>
+          <a:scene3d>
+            <a:camera prst="orthographicFront">
+              <a:rot lat="0" lon="0" rev="0"/>
+            </a:camera>
+            <a:lightRig rig="brightRoom" dir="tl"/>
+          </a:scene3d>
+          <a:sp3d contourW="19050" prstMaterial="flat">
+            <a:bevelT w="0" h="0" prst="coolSlant"/>
+            <a:contourClr>
+              <a:schemeClr val="phClr">
+                <a:shade val="25000"/>
+                <a:satMod val="140000"/>
+              </a:schemeClr>
+            </a:contourClr>
+          </a:sp3d>
         </a:effectStyle>
       </a:effectStyleLst>
       <a:bgFillStyleLst>
@@ -3718,28 +4541,23 @@
           <a:gsLst>
             <a:gs pos="0">
               <a:schemeClr val="phClr">
-                <a:tint val="93000"/>
-                <a:satMod val="150000"/>
+                <a:tint val="94000"/>
                 <a:shade val="98000"/>
+                <a:satMod val="130000"/>
                 <a:lumMod val="102000"/>
-              </a:schemeClr>
-            </a:gs>
-            <a:gs pos="50000">
-              <a:schemeClr val="phClr">
-                <a:tint val="98000"/>
-                <a:satMod val="130000"/>
-                <a:shade val="90000"/>
-                <a:lumMod val="103000"/>
               </a:schemeClr>
             </a:gs>
             <a:gs pos="100000">
               <a:schemeClr val="phClr">
-                <a:shade val="63000"/>
-                <a:satMod val="120000"/>
+                <a:tint val="98000"/>
+                <a:shade val="78000"/>
+                <a:satMod val="140000"/>
               </a:schemeClr>
             </a:gs>
           </a:gsLst>
-          <a:lin ang="5400000" scaled="0"/>
+          <a:path path="circle">
+            <a:fillToRect l="100000" t="100000" r="100000" b="100000"/>
+          </a:path>
         </a:gradFill>
       </a:bgFillStyleLst>
     </a:fmtScheme>
@@ -3748,7 +4566,7 @@
   <a:extraClrSchemeLst/>
   <a:extLst>
     <a:ext uri="{05A4C25C-085E-4340-85A3-A5531E510DB2}">
-      <thm15:themeFamily xmlns:thm15="http://schemas.microsoft.com/office/thememl/2012/main" name="Office Theme" id="{62F939B6-93AF-4DB8-9C6B-D6C7DFDC589F}" vid="{4A3C46E8-61CC-4603-A589-7422A47A8E4A}"/>
+      <thm15:themeFamily xmlns:thm15="http://schemas.microsoft.com/office/thememl/2012/main" name="View" id="{BA0EB5A6-F2D4-4F82-977B-64ADEE4A2A69}" vid="{3969A8A2-35DB-4E3B-8885-16FD20568674}"/>
     </a:ext>
   </a:extLst>
 </a:theme>

--- a/Rekisterit ja laskurit.pptx
+++ b/Rekisterit ja laskurit.pptx
@@ -3513,10 +3513,9 @@
           </a:p>
           <a:p>
             <a:r>
-              <a:rPr lang="fi-FI" smtClean="0"/>
+              <a:rPr lang="fi-FI" dirty="0" smtClean="0"/>
               <a:t>Joonas Mäkelä</a:t>
             </a:r>
-            <a:endParaRPr lang="fi-FI" dirty="0" smtClean="0"/>
           </a:p>
           <a:p>
             <a:r>
@@ -3714,10 +3713,72 @@
           <a:bodyPr/>
           <a:lstStyle/>
           <a:p>
-            <a:endParaRPr lang="fi-FI"/>
-          </a:p>
-        </p:txBody>
-      </p:sp>
+            <a:r>
+              <a:rPr lang="fi-FI" dirty="0"/>
+              <a:t>Yleisemmin käytetty, nopeampi ja verrattain yksinkertainen toteuttaa mutta maksaa samalla matkalla enemmän kuin sarjarekisteri.</a:t>
+            </a:r>
+          </a:p>
+          <a:p>
+            <a:r>
+              <a:rPr lang="fi-FI" dirty="0"/>
+              <a:t>Rinnakkaismuodossa bitit siirretään kukin omaa linjaansa pitkin samalla kellotaajuudella.</a:t>
+            </a:r>
+          </a:p>
+          <a:p>
+            <a:r>
+              <a:rPr lang="fi-FI" dirty="0"/>
+              <a:t>Kuvassa oikealla puolella rinnakkaisrekisteri</a:t>
+            </a:r>
+            <a:br>
+              <a:rPr lang="fi-FI" dirty="0"/>
+            </a:br>
+            <a:r>
+              <a:rPr lang="fi-FI" dirty="0"/>
+              <a:t>jossa n määrä kiikkuja ja yhteinen</a:t>
+            </a:r>
+            <a:br>
+              <a:rPr lang="fi-FI" dirty="0"/>
+            </a:br>
+            <a:r>
+              <a:rPr lang="fi-FI" dirty="0"/>
+              <a:t>ohjauslohko. Vasemmalla pelkistetty kuva.</a:t>
+            </a:r>
+          </a:p>
+          <a:p>
+            <a:endParaRPr lang="fi-FI" dirty="0"/>
+          </a:p>
+        </p:txBody>
+      </p:sp>
+      <p:pic>
+        <p:nvPicPr>
+          <p:cNvPr id="4" name="Picture 3"/>
+          <p:cNvPicPr>
+            <a:picLocks noChangeAspect="1"/>
+          </p:cNvPicPr>
+          <p:nvPr/>
+        </p:nvPicPr>
+        <p:blipFill>
+          <a:blip r:embed="rId2">
+            <a:extLst>
+              <a:ext uri="{28A0092B-C50C-407E-A947-70E740481C1C}">
+                <a14:useLocalDpi xmlns:a14="http://schemas.microsoft.com/office/drawing/2010/main" val="0"/>
+              </a:ext>
+            </a:extLst>
+          </a:blip>
+          <a:stretch>
+            <a:fillRect/>
+          </a:stretch>
+        </p:blipFill>
+        <p:spPr>
+          <a:xfrm>
+            <a:off x="6461440" y="3050464"/>
+            <a:ext cx="4391472" cy="3039362"/>
+          </a:xfrm>
+          <a:prstGeom prst="rect">
+            <a:avLst/>
+          </a:prstGeom>
+        </p:spPr>
+      </p:pic>
     </p:spTree>
     <p:extLst>
       <p:ext uri="{BB962C8B-B14F-4D97-AF65-F5344CB8AC3E}">
